--- a/Why Community.pptx
+++ b/Why Community.pptx
@@ -4,15 +4,22 @@
   <p:sldMasterIdLst>
     <p:sldMasterId id="2147483648" r:id="rId1"/>
   </p:sldMasterIdLst>
+  <p:notesMasterIdLst>
+    <p:notesMasterId r:id="rId14"/>
+  </p:notesMasterIdLst>
   <p:sldIdLst>
-    <p:sldId id="256" r:id="rId2"/>
-    <p:sldId id="257" r:id="rId3"/>
-    <p:sldId id="258" r:id="rId4"/>
-    <p:sldId id="259" r:id="rId5"/>
-    <p:sldId id="260" r:id="rId6"/>
-    <p:sldId id="261" r:id="rId7"/>
-    <p:sldId id="262" r:id="rId8"/>
-    <p:sldId id="263" r:id="rId9"/>
+    <p:sldId id="266" r:id="rId2"/>
+    <p:sldId id="265" r:id="rId3"/>
+    <p:sldId id="256" r:id="rId4"/>
+    <p:sldId id="257" r:id="rId5"/>
+    <p:sldId id="258" r:id="rId6"/>
+    <p:sldId id="259" r:id="rId7"/>
+    <p:sldId id="260" r:id="rId8"/>
+    <p:sldId id="267" r:id="rId9"/>
+    <p:sldId id="261" r:id="rId10"/>
+    <p:sldId id="262" r:id="rId11"/>
+    <p:sldId id="263" r:id="rId12"/>
+    <p:sldId id="264" r:id="rId13"/>
   </p:sldIdLst>
   <p:sldSz cx="12192000" cy="6858000"/>
   <p:notesSz cx="6858000" cy="9144000"/>
@@ -111,7 +118,1597 @@
       </a:defRPr>
     </a:lvl9pPr>
   </p:defaultTextStyle>
+  <p:extLst>
+    <p:ext uri="{EFAFB233-063F-42B5-8137-9DF3F51BA10A}">
+      <p15:sldGuideLst xmlns:p15="http://schemas.microsoft.com/office/powerpoint/2012/main"/>
+    </p:ext>
+  </p:extLst>
 </p:presentation>
+</file>
+
+<file path=ppt/notesMasters/notesMaster1.xml><?xml version="1.0" encoding="utf-8"?>
+<p:notesMaster xmlns:a="http://schemas.openxmlformats.org/drawingml/2006/main" xmlns:r="http://schemas.openxmlformats.org/officeDocument/2006/relationships" xmlns:p="http://schemas.openxmlformats.org/presentationml/2006/main">
+  <p:cSld>
+    <p:bg>
+      <p:bgRef idx="1001">
+        <a:schemeClr val="bg1"/>
+      </p:bgRef>
+    </p:bg>
+    <p:spTree>
+      <p:nvGrpSpPr>
+        <p:cNvPr id="1" name=""/>
+        <p:cNvGrpSpPr/>
+        <p:nvPr/>
+      </p:nvGrpSpPr>
+      <p:grpSpPr>
+        <a:xfrm>
+          <a:off x="0" y="0"/>
+          <a:ext cx="0" cy="0"/>
+          <a:chOff x="0" y="0"/>
+          <a:chExt cx="0" cy="0"/>
+        </a:xfrm>
+      </p:grpSpPr>
+      <p:sp>
+        <p:nvSpPr>
+          <p:cNvPr id="2" name="Header Placeholder 1"/>
+          <p:cNvSpPr>
+            <a:spLocks noGrp="1"/>
+          </p:cNvSpPr>
+          <p:nvPr>
+            <p:ph type="hdr" sz="quarter"/>
+          </p:nvPr>
+        </p:nvSpPr>
+        <p:spPr>
+          <a:xfrm>
+            <a:off x="0" y="0"/>
+            <a:ext cx="2971800" cy="458788"/>
+          </a:xfrm>
+          <a:prstGeom prst="rect">
+            <a:avLst/>
+          </a:prstGeom>
+        </p:spPr>
+        <p:txBody>
+          <a:bodyPr vert="horz" lIns="91440" tIns="45720" rIns="91440" bIns="45720" rtlCol="0"/>
+          <a:lstStyle>
+            <a:lvl1pPr algn="l">
+              <a:defRPr sz="1200"/>
+            </a:lvl1pPr>
+          </a:lstStyle>
+          <a:p>
+            <a:endParaRPr lang="en-US"/>
+          </a:p>
+        </p:txBody>
+      </p:sp>
+      <p:sp>
+        <p:nvSpPr>
+          <p:cNvPr id="3" name="Date Placeholder 2"/>
+          <p:cNvSpPr>
+            <a:spLocks noGrp="1"/>
+          </p:cNvSpPr>
+          <p:nvPr>
+            <p:ph type="dt" idx="1"/>
+          </p:nvPr>
+        </p:nvSpPr>
+        <p:spPr>
+          <a:xfrm>
+            <a:off x="3884613" y="0"/>
+            <a:ext cx="2971800" cy="458788"/>
+          </a:xfrm>
+          <a:prstGeom prst="rect">
+            <a:avLst/>
+          </a:prstGeom>
+        </p:spPr>
+        <p:txBody>
+          <a:bodyPr vert="horz" lIns="91440" tIns="45720" rIns="91440" bIns="45720" rtlCol="0"/>
+          <a:lstStyle>
+            <a:lvl1pPr algn="r">
+              <a:defRPr sz="1200"/>
+            </a:lvl1pPr>
+          </a:lstStyle>
+          <a:p>
+            <a:fld id="{E783D9E6-E309-4397-88A9-E115D0429E33}" type="datetimeFigureOut">
+              <a:rPr lang="en-US" smtClean="0"/>
+              <a:t>3/27/2015</a:t>
+            </a:fld>
+            <a:endParaRPr lang="en-US"/>
+          </a:p>
+        </p:txBody>
+      </p:sp>
+      <p:sp>
+        <p:nvSpPr>
+          <p:cNvPr id="4" name="Slide Image Placeholder 3"/>
+          <p:cNvSpPr>
+            <a:spLocks noGrp="1" noRot="1" noChangeAspect="1"/>
+          </p:cNvSpPr>
+          <p:nvPr>
+            <p:ph type="sldImg" idx="2"/>
+          </p:nvPr>
+        </p:nvSpPr>
+        <p:spPr>
+          <a:xfrm>
+            <a:off x="685800" y="1143000"/>
+            <a:ext cx="5486400" cy="3086100"/>
+          </a:xfrm>
+          <a:prstGeom prst="rect">
+            <a:avLst/>
+          </a:prstGeom>
+          <a:noFill/>
+          <a:ln w="12700">
+            <a:solidFill>
+              <a:prstClr val="black"/>
+            </a:solidFill>
+          </a:ln>
+        </p:spPr>
+        <p:txBody>
+          <a:bodyPr vert="horz" lIns="91440" tIns="45720" rIns="91440" bIns="45720" rtlCol="0" anchor="ctr"/>
+          <a:lstStyle/>
+          <a:p>
+            <a:endParaRPr lang="en-US"/>
+          </a:p>
+        </p:txBody>
+      </p:sp>
+      <p:sp>
+        <p:nvSpPr>
+          <p:cNvPr id="5" name="Notes Placeholder 4"/>
+          <p:cNvSpPr>
+            <a:spLocks noGrp="1"/>
+          </p:cNvSpPr>
+          <p:nvPr>
+            <p:ph type="body" sz="quarter" idx="3"/>
+          </p:nvPr>
+        </p:nvSpPr>
+        <p:spPr>
+          <a:xfrm>
+            <a:off x="685800" y="4400550"/>
+            <a:ext cx="5486400" cy="3600450"/>
+          </a:xfrm>
+          <a:prstGeom prst="rect">
+            <a:avLst/>
+          </a:prstGeom>
+        </p:spPr>
+        <p:txBody>
+          <a:bodyPr vert="horz" lIns="91440" tIns="45720" rIns="91440" bIns="45720" rtlCol="0"/>
+          <a:lstStyle/>
+          <a:p>
+            <a:pPr lvl="0"/>
+            <a:r>
+              <a:rPr lang="en-US" smtClean="0"/>
+              <a:t>Click to edit Master text styles</a:t>
+            </a:r>
+          </a:p>
+          <a:p>
+            <a:pPr lvl="1"/>
+            <a:r>
+              <a:rPr lang="en-US" smtClean="0"/>
+              <a:t>Second level</a:t>
+            </a:r>
+          </a:p>
+          <a:p>
+            <a:pPr lvl="2"/>
+            <a:r>
+              <a:rPr lang="en-US" smtClean="0"/>
+              <a:t>Third level</a:t>
+            </a:r>
+          </a:p>
+          <a:p>
+            <a:pPr lvl="3"/>
+            <a:r>
+              <a:rPr lang="en-US" smtClean="0"/>
+              <a:t>Fourth level</a:t>
+            </a:r>
+          </a:p>
+          <a:p>
+            <a:pPr lvl="4"/>
+            <a:r>
+              <a:rPr lang="en-US" smtClean="0"/>
+              <a:t>Fifth level</a:t>
+            </a:r>
+            <a:endParaRPr lang="en-US"/>
+          </a:p>
+        </p:txBody>
+      </p:sp>
+      <p:sp>
+        <p:nvSpPr>
+          <p:cNvPr id="6" name="Footer Placeholder 5"/>
+          <p:cNvSpPr>
+            <a:spLocks noGrp="1"/>
+          </p:cNvSpPr>
+          <p:nvPr>
+            <p:ph type="ftr" sz="quarter" idx="4"/>
+          </p:nvPr>
+        </p:nvSpPr>
+        <p:spPr>
+          <a:xfrm>
+            <a:off x="0" y="8685213"/>
+            <a:ext cx="2971800" cy="458787"/>
+          </a:xfrm>
+          <a:prstGeom prst="rect">
+            <a:avLst/>
+          </a:prstGeom>
+        </p:spPr>
+        <p:txBody>
+          <a:bodyPr vert="horz" lIns="91440" tIns="45720" rIns="91440" bIns="45720" rtlCol="0" anchor="b"/>
+          <a:lstStyle>
+            <a:lvl1pPr algn="l">
+              <a:defRPr sz="1200"/>
+            </a:lvl1pPr>
+          </a:lstStyle>
+          <a:p>
+            <a:endParaRPr lang="en-US"/>
+          </a:p>
+        </p:txBody>
+      </p:sp>
+      <p:sp>
+        <p:nvSpPr>
+          <p:cNvPr id="7" name="Slide Number Placeholder 6"/>
+          <p:cNvSpPr>
+            <a:spLocks noGrp="1"/>
+          </p:cNvSpPr>
+          <p:nvPr>
+            <p:ph type="sldNum" sz="quarter" idx="5"/>
+          </p:nvPr>
+        </p:nvSpPr>
+        <p:spPr>
+          <a:xfrm>
+            <a:off x="3884613" y="8685213"/>
+            <a:ext cx="2971800" cy="458787"/>
+          </a:xfrm>
+          <a:prstGeom prst="rect">
+            <a:avLst/>
+          </a:prstGeom>
+        </p:spPr>
+        <p:txBody>
+          <a:bodyPr vert="horz" lIns="91440" tIns="45720" rIns="91440" bIns="45720" rtlCol="0" anchor="b"/>
+          <a:lstStyle>
+            <a:lvl1pPr algn="r">
+              <a:defRPr sz="1200"/>
+            </a:lvl1pPr>
+          </a:lstStyle>
+          <a:p>
+            <a:fld id="{AF6D4DAB-7493-47C0-AFD6-CD5AD621CEC1}" type="slidenum">
+              <a:rPr lang="en-US" smtClean="0"/>
+              <a:t>‹#›</a:t>
+            </a:fld>
+            <a:endParaRPr lang="en-US"/>
+          </a:p>
+        </p:txBody>
+      </p:sp>
+    </p:spTree>
+    <p:extLst>
+      <p:ext uri="{BB962C8B-B14F-4D97-AF65-F5344CB8AC3E}">
+        <p14:creationId xmlns:p14="http://schemas.microsoft.com/office/powerpoint/2010/main" val="3291311221"/>
+      </p:ext>
+    </p:extLst>
+  </p:cSld>
+  <p:clrMap bg1="lt1" tx1="dk1" bg2="lt2" tx2="dk2" accent1="accent1" accent2="accent2" accent3="accent3" accent4="accent4" accent5="accent5" accent6="accent6" hlink="hlink" folHlink="folHlink"/>
+  <p:notesStyle>
+    <a:lvl1pPr marL="0" algn="l" defTabSz="914400" rtl="0" eaLnBrk="1" latinLnBrk="0" hangingPunct="1">
+      <a:defRPr sz="1200" kern="1200">
+        <a:solidFill>
+          <a:schemeClr val="tx1"/>
+        </a:solidFill>
+        <a:latin typeface="+mn-lt"/>
+        <a:ea typeface="+mn-ea"/>
+        <a:cs typeface="+mn-cs"/>
+      </a:defRPr>
+    </a:lvl1pPr>
+    <a:lvl2pPr marL="457200" algn="l" defTabSz="914400" rtl="0" eaLnBrk="1" latinLnBrk="0" hangingPunct="1">
+      <a:defRPr sz="1200" kern="1200">
+        <a:solidFill>
+          <a:schemeClr val="tx1"/>
+        </a:solidFill>
+        <a:latin typeface="+mn-lt"/>
+        <a:ea typeface="+mn-ea"/>
+        <a:cs typeface="+mn-cs"/>
+      </a:defRPr>
+    </a:lvl2pPr>
+    <a:lvl3pPr marL="914400" algn="l" defTabSz="914400" rtl="0" eaLnBrk="1" latinLnBrk="0" hangingPunct="1">
+      <a:defRPr sz="1200" kern="1200">
+        <a:solidFill>
+          <a:schemeClr val="tx1"/>
+        </a:solidFill>
+        <a:latin typeface="+mn-lt"/>
+        <a:ea typeface="+mn-ea"/>
+        <a:cs typeface="+mn-cs"/>
+      </a:defRPr>
+    </a:lvl3pPr>
+    <a:lvl4pPr marL="1371600" algn="l" defTabSz="914400" rtl="0" eaLnBrk="1" latinLnBrk="0" hangingPunct="1">
+      <a:defRPr sz="1200" kern="1200">
+        <a:solidFill>
+          <a:schemeClr val="tx1"/>
+        </a:solidFill>
+        <a:latin typeface="+mn-lt"/>
+        <a:ea typeface="+mn-ea"/>
+        <a:cs typeface="+mn-cs"/>
+      </a:defRPr>
+    </a:lvl4pPr>
+    <a:lvl5pPr marL="1828800" algn="l" defTabSz="914400" rtl="0" eaLnBrk="1" latinLnBrk="0" hangingPunct="1">
+      <a:defRPr sz="1200" kern="1200">
+        <a:solidFill>
+          <a:schemeClr val="tx1"/>
+        </a:solidFill>
+        <a:latin typeface="+mn-lt"/>
+        <a:ea typeface="+mn-ea"/>
+        <a:cs typeface="+mn-cs"/>
+      </a:defRPr>
+    </a:lvl5pPr>
+    <a:lvl6pPr marL="2286000" algn="l" defTabSz="914400" rtl="0" eaLnBrk="1" latinLnBrk="0" hangingPunct="1">
+      <a:defRPr sz="1200" kern="1200">
+        <a:solidFill>
+          <a:schemeClr val="tx1"/>
+        </a:solidFill>
+        <a:latin typeface="+mn-lt"/>
+        <a:ea typeface="+mn-ea"/>
+        <a:cs typeface="+mn-cs"/>
+      </a:defRPr>
+    </a:lvl6pPr>
+    <a:lvl7pPr marL="2743200" algn="l" defTabSz="914400" rtl="0" eaLnBrk="1" latinLnBrk="0" hangingPunct="1">
+      <a:defRPr sz="1200" kern="1200">
+        <a:solidFill>
+          <a:schemeClr val="tx1"/>
+        </a:solidFill>
+        <a:latin typeface="+mn-lt"/>
+        <a:ea typeface="+mn-ea"/>
+        <a:cs typeface="+mn-cs"/>
+      </a:defRPr>
+    </a:lvl7pPr>
+    <a:lvl8pPr marL="3200400" algn="l" defTabSz="914400" rtl="0" eaLnBrk="1" latinLnBrk="0" hangingPunct="1">
+      <a:defRPr sz="1200" kern="1200">
+        <a:solidFill>
+          <a:schemeClr val="tx1"/>
+        </a:solidFill>
+        <a:latin typeface="+mn-lt"/>
+        <a:ea typeface="+mn-ea"/>
+        <a:cs typeface="+mn-cs"/>
+      </a:defRPr>
+    </a:lvl8pPr>
+    <a:lvl9pPr marL="3657600" algn="l" defTabSz="914400" rtl="0" eaLnBrk="1" latinLnBrk="0" hangingPunct="1">
+      <a:defRPr sz="1200" kern="1200">
+        <a:solidFill>
+          <a:schemeClr val="tx1"/>
+        </a:solidFill>
+        <a:latin typeface="+mn-lt"/>
+        <a:ea typeface="+mn-ea"/>
+        <a:cs typeface="+mn-cs"/>
+      </a:defRPr>
+    </a:lvl9pPr>
+  </p:notesStyle>
+</p:notesMaster>
+</file>
+
+<file path=ppt/notesSlides/notesSlide1.xml><?xml version="1.0" encoding="utf-8"?>
+<p:notes xmlns:a="http://schemas.openxmlformats.org/drawingml/2006/main" xmlns:r="http://schemas.openxmlformats.org/officeDocument/2006/relationships" xmlns:p="http://schemas.openxmlformats.org/presentationml/2006/main">
+  <p:cSld>
+    <p:spTree>
+      <p:nvGrpSpPr>
+        <p:cNvPr id="1" name=""/>
+        <p:cNvGrpSpPr/>
+        <p:nvPr/>
+      </p:nvGrpSpPr>
+      <p:grpSpPr>
+        <a:xfrm>
+          <a:off x="0" y="0"/>
+          <a:ext cx="0" cy="0"/>
+          <a:chOff x="0" y="0"/>
+          <a:chExt cx="0" cy="0"/>
+        </a:xfrm>
+      </p:grpSpPr>
+      <p:sp>
+        <p:nvSpPr>
+          <p:cNvPr id="2" name="Slide Image Placeholder 1"/>
+          <p:cNvSpPr>
+            <a:spLocks noGrp="1" noRot="1" noChangeAspect="1"/>
+          </p:cNvSpPr>
+          <p:nvPr>
+            <p:ph type="sldImg"/>
+          </p:nvPr>
+        </p:nvSpPr>
+        <p:spPr/>
+      </p:sp>
+      <p:sp>
+        <p:nvSpPr>
+          <p:cNvPr id="3" name="Notes Placeholder 2"/>
+          <p:cNvSpPr>
+            <a:spLocks noGrp="1"/>
+          </p:cNvSpPr>
+          <p:nvPr>
+            <p:ph type="body" idx="1"/>
+          </p:nvPr>
+        </p:nvSpPr>
+        <p:spPr/>
+        <p:txBody>
+          <a:bodyPr/>
+          <a:lstStyle/>
+          <a:p>
+            <a:pPr marL="171450" indent="-171450">
+              <a:buFont typeface="Arial" panose="020B0604020202020204" pitchFamily="34" charset="0"/>
+              <a:buChar char="•"/>
+            </a:pPr>
+            <a:r>
+              <a:rPr lang="en-US" dirty="0" smtClean="0"/>
+              <a:t>10 years WOW!</a:t>
+            </a:r>
+          </a:p>
+          <a:p>
+            <a:pPr marL="171450" indent="-171450">
+              <a:buFont typeface="Arial" panose="020B0604020202020204" pitchFamily="34" charset="0"/>
+              <a:buChar char="•"/>
+            </a:pPr>
+            <a:r>
+              <a:rPr lang="en-US" dirty="0" smtClean="0"/>
+              <a:t>Proud</a:t>
+            </a:r>
+            <a:r>
+              <a:rPr lang="en-US" baseline="0" dirty="0" smtClean="0"/>
+              <a:t> to see how much the group has grown</a:t>
+            </a:r>
+          </a:p>
+          <a:p>
+            <a:pPr marL="171450" indent="-171450">
+              <a:buFont typeface="Arial" panose="020B0604020202020204" pitchFamily="34" charset="0"/>
+              <a:buChar char="•"/>
+            </a:pPr>
+            <a:r>
+              <a:rPr lang="en-US" baseline="0" dirty="0" smtClean="0"/>
+              <a:t>Congratulate you</a:t>
+            </a:r>
+          </a:p>
+          <a:p>
+            <a:pPr marL="171450" indent="-171450">
+              <a:buFont typeface="Arial" panose="020B0604020202020204" pitchFamily="34" charset="0"/>
+              <a:buChar char="•"/>
+            </a:pPr>
+            <a:r>
+              <a:rPr lang="en-US" baseline="0" dirty="0" smtClean="0"/>
+              <a:t>10 more!</a:t>
+            </a:r>
+            <a:endParaRPr lang="en-US" dirty="0"/>
+          </a:p>
+        </p:txBody>
+      </p:sp>
+      <p:sp>
+        <p:nvSpPr>
+          <p:cNvPr id="4" name="Slide Number Placeholder 3"/>
+          <p:cNvSpPr>
+            <a:spLocks noGrp="1"/>
+          </p:cNvSpPr>
+          <p:nvPr>
+            <p:ph type="sldNum" sz="quarter" idx="10"/>
+          </p:nvPr>
+        </p:nvSpPr>
+        <p:spPr/>
+        <p:txBody>
+          <a:bodyPr/>
+          <a:lstStyle/>
+          <a:p>
+            <a:fld id="{AF6D4DAB-7493-47C0-AFD6-CD5AD621CEC1}" type="slidenum">
+              <a:rPr lang="en-US" smtClean="0"/>
+              <a:t>1</a:t>
+            </a:fld>
+            <a:endParaRPr lang="en-US"/>
+          </a:p>
+        </p:txBody>
+      </p:sp>
+    </p:spTree>
+    <p:extLst>
+      <p:ext uri="{BB962C8B-B14F-4D97-AF65-F5344CB8AC3E}">
+        <p14:creationId xmlns:p14="http://schemas.microsoft.com/office/powerpoint/2010/main" val="2523581154"/>
+      </p:ext>
+    </p:extLst>
+  </p:cSld>
+  <p:clrMapOvr>
+    <a:masterClrMapping/>
+  </p:clrMapOvr>
+</p:notes>
+</file>
+
+<file path=ppt/notesSlides/notesSlide10.xml><?xml version="1.0" encoding="utf-8"?>
+<p:notes xmlns:a="http://schemas.openxmlformats.org/drawingml/2006/main" xmlns:r="http://schemas.openxmlformats.org/officeDocument/2006/relationships" xmlns:p="http://schemas.openxmlformats.org/presentationml/2006/main">
+  <p:cSld>
+    <p:spTree>
+      <p:nvGrpSpPr>
+        <p:cNvPr id="1" name=""/>
+        <p:cNvGrpSpPr/>
+        <p:nvPr/>
+      </p:nvGrpSpPr>
+      <p:grpSpPr>
+        <a:xfrm>
+          <a:off x="0" y="0"/>
+          <a:ext cx="0" cy="0"/>
+          <a:chOff x="0" y="0"/>
+          <a:chExt cx="0" cy="0"/>
+        </a:xfrm>
+      </p:grpSpPr>
+      <p:sp>
+        <p:nvSpPr>
+          <p:cNvPr id="2" name="Slide Image Placeholder 1"/>
+          <p:cNvSpPr>
+            <a:spLocks noGrp="1" noRot="1" noChangeAspect="1"/>
+          </p:cNvSpPr>
+          <p:nvPr>
+            <p:ph type="sldImg"/>
+          </p:nvPr>
+        </p:nvSpPr>
+        <p:spPr/>
+      </p:sp>
+      <p:sp>
+        <p:nvSpPr>
+          <p:cNvPr id="3" name="Notes Placeholder 2"/>
+          <p:cNvSpPr>
+            <a:spLocks noGrp="1"/>
+          </p:cNvSpPr>
+          <p:nvPr>
+            <p:ph type="body" idx="1"/>
+          </p:nvPr>
+        </p:nvSpPr>
+        <p:spPr/>
+        <p:txBody>
+          <a:bodyPr/>
+          <a:lstStyle/>
+          <a:p>
+            <a:pPr marL="0" marR="0" lvl="0" indent="0" algn="l" defTabSz="914400" rtl="0" eaLnBrk="1" fontAlgn="auto" latinLnBrk="0" hangingPunct="1">
+              <a:lnSpc>
+                <a:spcPct val="100000"/>
+              </a:lnSpc>
+              <a:spcBef>
+                <a:spcPts val="0"/>
+              </a:spcBef>
+              <a:spcAft>
+                <a:spcPts val="0"/>
+              </a:spcAft>
+              <a:buClrTx/>
+              <a:buSzTx/>
+              <a:buFontTx/>
+              <a:buNone/>
+              <a:tabLst/>
+              <a:defRPr/>
+            </a:pPr>
+            <a:r>
+              <a:rPr lang="en-US" sz="1200" kern="1200" dirty="0" smtClean="0">
+                <a:solidFill>
+                  <a:schemeClr val="tx1"/>
+                </a:solidFill>
+                <a:effectLst/>
+                <a:latin typeface="+mn-lt"/>
+                <a:ea typeface="+mn-ea"/>
+                <a:cs typeface="+mn-cs"/>
+              </a:rPr>
+              <a:t>Free Pizza</a:t>
+            </a:r>
+          </a:p>
+          <a:p>
+            <a:endParaRPr lang="en-US" dirty="0"/>
+          </a:p>
+        </p:txBody>
+      </p:sp>
+      <p:sp>
+        <p:nvSpPr>
+          <p:cNvPr id="4" name="Slide Number Placeholder 3"/>
+          <p:cNvSpPr>
+            <a:spLocks noGrp="1"/>
+          </p:cNvSpPr>
+          <p:nvPr>
+            <p:ph type="sldNum" sz="quarter" idx="10"/>
+          </p:nvPr>
+        </p:nvSpPr>
+        <p:spPr/>
+        <p:txBody>
+          <a:bodyPr/>
+          <a:lstStyle/>
+          <a:p>
+            <a:fld id="{AF6D4DAB-7493-47C0-AFD6-CD5AD621CEC1}" type="slidenum">
+              <a:rPr lang="en-US" smtClean="0"/>
+              <a:t>11</a:t>
+            </a:fld>
+            <a:endParaRPr lang="en-US"/>
+          </a:p>
+        </p:txBody>
+      </p:sp>
+    </p:spTree>
+    <p:extLst>
+      <p:ext uri="{BB962C8B-B14F-4D97-AF65-F5344CB8AC3E}">
+        <p14:creationId xmlns:p14="http://schemas.microsoft.com/office/powerpoint/2010/main" val="4279638373"/>
+      </p:ext>
+    </p:extLst>
+  </p:cSld>
+  <p:clrMapOvr>
+    <a:masterClrMapping/>
+  </p:clrMapOvr>
+</p:notes>
+</file>
+
+<file path=ppt/notesSlides/notesSlide11.xml><?xml version="1.0" encoding="utf-8"?>
+<p:notes xmlns:a="http://schemas.openxmlformats.org/drawingml/2006/main" xmlns:r="http://schemas.openxmlformats.org/officeDocument/2006/relationships" xmlns:p="http://schemas.openxmlformats.org/presentationml/2006/main">
+  <p:cSld>
+    <p:spTree>
+      <p:nvGrpSpPr>
+        <p:cNvPr id="1" name=""/>
+        <p:cNvGrpSpPr/>
+        <p:nvPr/>
+      </p:nvGrpSpPr>
+      <p:grpSpPr>
+        <a:xfrm>
+          <a:off x="0" y="0"/>
+          <a:ext cx="0" cy="0"/>
+          <a:chOff x="0" y="0"/>
+          <a:chExt cx="0" cy="0"/>
+        </a:xfrm>
+      </p:grpSpPr>
+      <p:sp>
+        <p:nvSpPr>
+          <p:cNvPr id="2" name="Slide Image Placeholder 1"/>
+          <p:cNvSpPr>
+            <a:spLocks noGrp="1" noRot="1" noChangeAspect="1"/>
+          </p:cNvSpPr>
+          <p:nvPr>
+            <p:ph type="sldImg"/>
+          </p:nvPr>
+        </p:nvSpPr>
+        <p:spPr/>
+      </p:sp>
+      <p:sp>
+        <p:nvSpPr>
+          <p:cNvPr id="3" name="Notes Placeholder 2"/>
+          <p:cNvSpPr>
+            <a:spLocks noGrp="1"/>
+          </p:cNvSpPr>
+          <p:nvPr>
+            <p:ph type="body" idx="1"/>
+          </p:nvPr>
+        </p:nvSpPr>
+        <p:spPr/>
+        <p:txBody>
+          <a:bodyPr/>
+          <a:lstStyle/>
+          <a:p>
+            <a:pPr lvl="0"/>
+            <a:r>
+              <a:rPr lang="en-US" sz="1200" kern="1200" dirty="0" smtClean="0">
+                <a:solidFill>
+                  <a:schemeClr val="tx1"/>
+                </a:solidFill>
+                <a:effectLst/>
+                <a:latin typeface="+mn-lt"/>
+                <a:ea typeface="+mn-ea"/>
+                <a:cs typeface="+mn-cs"/>
+              </a:rPr>
+              <a:t>Act Now</a:t>
+            </a:r>
+            <a:endParaRPr lang="en-US" sz="1200" kern="1200" dirty="0">
+              <a:solidFill>
+                <a:schemeClr val="tx1"/>
+              </a:solidFill>
+              <a:effectLst/>
+              <a:latin typeface="+mn-lt"/>
+              <a:ea typeface="+mn-ea"/>
+              <a:cs typeface="+mn-cs"/>
+            </a:endParaRPr>
+          </a:p>
+        </p:txBody>
+      </p:sp>
+      <p:sp>
+        <p:nvSpPr>
+          <p:cNvPr id="4" name="Slide Number Placeholder 3"/>
+          <p:cNvSpPr>
+            <a:spLocks noGrp="1"/>
+          </p:cNvSpPr>
+          <p:nvPr>
+            <p:ph type="sldNum" sz="quarter" idx="10"/>
+          </p:nvPr>
+        </p:nvSpPr>
+        <p:spPr/>
+        <p:txBody>
+          <a:bodyPr/>
+          <a:lstStyle/>
+          <a:p>
+            <a:fld id="{AF6D4DAB-7493-47C0-AFD6-CD5AD621CEC1}" type="slidenum">
+              <a:rPr lang="en-US" smtClean="0"/>
+              <a:t>12</a:t>
+            </a:fld>
+            <a:endParaRPr lang="en-US"/>
+          </a:p>
+        </p:txBody>
+      </p:sp>
+    </p:spTree>
+    <p:extLst>
+      <p:ext uri="{BB962C8B-B14F-4D97-AF65-F5344CB8AC3E}">
+        <p14:creationId xmlns:p14="http://schemas.microsoft.com/office/powerpoint/2010/main" val="4213734391"/>
+      </p:ext>
+    </p:extLst>
+  </p:cSld>
+  <p:clrMapOvr>
+    <a:masterClrMapping/>
+  </p:clrMapOvr>
+</p:notes>
+</file>
+
+<file path=ppt/notesSlides/notesSlide2.xml><?xml version="1.0" encoding="utf-8"?>
+<p:notes xmlns:a="http://schemas.openxmlformats.org/drawingml/2006/main" xmlns:r="http://schemas.openxmlformats.org/officeDocument/2006/relationships" xmlns:p="http://schemas.openxmlformats.org/presentationml/2006/main">
+  <p:cSld>
+    <p:spTree>
+      <p:nvGrpSpPr>
+        <p:cNvPr id="1" name=""/>
+        <p:cNvGrpSpPr/>
+        <p:nvPr/>
+      </p:nvGrpSpPr>
+      <p:grpSpPr>
+        <a:xfrm>
+          <a:off x="0" y="0"/>
+          <a:ext cx="0" cy="0"/>
+          <a:chOff x="0" y="0"/>
+          <a:chExt cx="0" cy="0"/>
+        </a:xfrm>
+      </p:grpSpPr>
+      <p:sp>
+        <p:nvSpPr>
+          <p:cNvPr id="2" name="Slide Image Placeholder 1"/>
+          <p:cNvSpPr>
+            <a:spLocks noGrp="1" noRot="1" noChangeAspect="1"/>
+          </p:cNvSpPr>
+          <p:nvPr>
+            <p:ph type="sldImg"/>
+          </p:nvPr>
+        </p:nvSpPr>
+        <p:spPr/>
+      </p:sp>
+      <p:sp>
+        <p:nvSpPr>
+          <p:cNvPr id="3" name="Notes Placeholder 2"/>
+          <p:cNvSpPr>
+            <a:spLocks noGrp="1"/>
+          </p:cNvSpPr>
+          <p:nvPr>
+            <p:ph type="body" idx="1"/>
+          </p:nvPr>
+        </p:nvSpPr>
+        <p:spPr/>
+        <p:txBody>
+          <a:bodyPr/>
+          <a:lstStyle/>
+          <a:p>
+            <a:endParaRPr lang="en-US" dirty="0"/>
+          </a:p>
+        </p:txBody>
+      </p:sp>
+      <p:sp>
+        <p:nvSpPr>
+          <p:cNvPr id="4" name="Slide Number Placeholder 3"/>
+          <p:cNvSpPr>
+            <a:spLocks noGrp="1"/>
+          </p:cNvSpPr>
+          <p:nvPr>
+            <p:ph type="sldNum" sz="quarter" idx="10"/>
+          </p:nvPr>
+        </p:nvSpPr>
+        <p:spPr/>
+        <p:txBody>
+          <a:bodyPr/>
+          <a:lstStyle/>
+          <a:p>
+            <a:fld id="{AF6D4DAB-7493-47C0-AFD6-CD5AD621CEC1}" type="slidenum">
+              <a:rPr lang="en-US" smtClean="0"/>
+              <a:t>3</a:t>
+            </a:fld>
+            <a:endParaRPr lang="en-US"/>
+          </a:p>
+        </p:txBody>
+      </p:sp>
+    </p:spTree>
+    <p:extLst>
+      <p:ext uri="{BB962C8B-B14F-4D97-AF65-F5344CB8AC3E}">
+        <p14:creationId xmlns:p14="http://schemas.microsoft.com/office/powerpoint/2010/main" val="1877463876"/>
+      </p:ext>
+    </p:extLst>
+  </p:cSld>
+  <p:clrMapOvr>
+    <a:masterClrMapping/>
+  </p:clrMapOvr>
+</p:notes>
+</file>
+
+<file path=ppt/notesSlides/notesSlide3.xml><?xml version="1.0" encoding="utf-8"?>
+<p:notes xmlns:a="http://schemas.openxmlformats.org/drawingml/2006/main" xmlns:r="http://schemas.openxmlformats.org/officeDocument/2006/relationships" xmlns:p="http://schemas.openxmlformats.org/presentationml/2006/main">
+  <p:cSld>
+    <p:spTree>
+      <p:nvGrpSpPr>
+        <p:cNvPr id="1" name=""/>
+        <p:cNvGrpSpPr/>
+        <p:nvPr/>
+      </p:nvGrpSpPr>
+      <p:grpSpPr>
+        <a:xfrm>
+          <a:off x="0" y="0"/>
+          <a:ext cx="0" cy="0"/>
+          <a:chOff x="0" y="0"/>
+          <a:chExt cx="0" cy="0"/>
+        </a:xfrm>
+      </p:grpSpPr>
+      <p:sp>
+        <p:nvSpPr>
+          <p:cNvPr id="2" name="Slide Image Placeholder 1"/>
+          <p:cNvSpPr>
+            <a:spLocks noGrp="1" noRot="1" noChangeAspect="1"/>
+          </p:cNvSpPr>
+          <p:nvPr>
+            <p:ph type="sldImg"/>
+          </p:nvPr>
+        </p:nvSpPr>
+        <p:spPr/>
+      </p:sp>
+      <p:sp>
+        <p:nvSpPr>
+          <p:cNvPr id="3" name="Notes Placeholder 2"/>
+          <p:cNvSpPr>
+            <a:spLocks noGrp="1"/>
+          </p:cNvSpPr>
+          <p:nvPr>
+            <p:ph type="body" idx="1"/>
+          </p:nvPr>
+        </p:nvSpPr>
+        <p:spPr/>
+        <p:txBody>
+          <a:bodyPr/>
+          <a:lstStyle/>
+          <a:p>
+            <a:pPr marL="0" marR="0" lvl="0" indent="0" algn="l" defTabSz="914400" rtl="0" eaLnBrk="1" fontAlgn="auto" latinLnBrk="0" hangingPunct="1">
+              <a:lnSpc>
+                <a:spcPct val="100000"/>
+              </a:lnSpc>
+              <a:spcBef>
+                <a:spcPts val="0"/>
+              </a:spcBef>
+              <a:spcAft>
+                <a:spcPts val="0"/>
+              </a:spcAft>
+              <a:buClrTx/>
+              <a:buSzTx/>
+              <a:buFontTx/>
+              <a:buNone/>
+              <a:tabLst/>
+              <a:defRPr/>
+            </a:pPr>
+            <a:r>
+              <a:rPr lang="en-US" sz="1200" kern="1200" dirty="0" smtClean="0">
+                <a:solidFill>
+                  <a:schemeClr val="tx1"/>
+                </a:solidFill>
+                <a:effectLst/>
+                <a:latin typeface="+mn-lt"/>
+                <a:ea typeface="+mn-ea"/>
+                <a:cs typeface="+mn-cs"/>
+              </a:rPr>
+              <a:t>Learning new things</a:t>
+            </a:r>
+          </a:p>
+          <a:p>
+            <a:endParaRPr lang="en-US" dirty="0"/>
+          </a:p>
+        </p:txBody>
+      </p:sp>
+      <p:sp>
+        <p:nvSpPr>
+          <p:cNvPr id="4" name="Slide Number Placeholder 3"/>
+          <p:cNvSpPr>
+            <a:spLocks noGrp="1"/>
+          </p:cNvSpPr>
+          <p:nvPr>
+            <p:ph type="sldNum" sz="quarter" idx="10"/>
+          </p:nvPr>
+        </p:nvSpPr>
+        <p:spPr/>
+        <p:txBody>
+          <a:bodyPr/>
+          <a:lstStyle/>
+          <a:p>
+            <a:fld id="{AF6D4DAB-7493-47C0-AFD6-CD5AD621CEC1}" type="slidenum">
+              <a:rPr lang="en-US" smtClean="0"/>
+              <a:t>4</a:t>
+            </a:fld>
+            <a:endParaRPr lang="en-US"/>
+          </a:p>
+        </p:txBody>
+      </p:sp>
+    </p:spTree>
+    <p:extLst>
+      <p:ext uri="{BB962C8B-B14F-4D97-AF65-F5344CB8AC3E}">
+        <p14:creationId xmlns:p14="http://schemas.microsoft.com/office/powerpoint/2010/main" val="1622929090"/>
+      </p:ext>
+    </p:extLst>
+  </p:cSld>
+  <p:clrMapOvr>
+    <a:masterClrMapping/>
+  </p:clrMapOvr>
+</p:notes>
+</file>
+
+<file path=ppt/notesSlides/notesSlide4.xml><?xml version="1.0" encoding="utf-8"?>
+<p:notes xmlns:a="http://schemas.openxmlformats.org/drawingml/2006/main" xmlns:r="http://schemas.openxmlformats.org/officeDocument/2006/relationships" xmlns:p="http://schemas.openxmlformats.org/presentationml/2006/main">
+  <p:cSld>
+    <p:spTree>
+      <p:nvGrpSpPr>
+        <p:cNvPr id="1" name=""/>
+        <p:cNvGrpSpPr/>
+        <p:nvPr/>
+      </p:nvGrpSpPr>
+      <p:grpSpPr>
+        <a:xfrm>
+          <a:off x="0" y="0"/>
+          <a:ext cx="0" cy="0"/>
+          <a:chOff x="0" y="0"/>
+          <a:chExt cx="0" cy="0"/>
+        </a:xfrm>
+      </p:grpSpPr>
+      <p:sp>
+        <p:nvSpPr>
+          <p:cNvPr id="2" name="Slide Image Placeholder 1"/>
+          <p:cNvSpPr>
+            <a:spLocks noGrp="1" noRot="1" noChangeAspect="1"/>
+          </p:cNvSpPr>
+          <p:nvPr>
+            <p:ph type="sldImg"/>
+          </p:nvPr>
+        </p:nvSpPr>
+        <p:spPr/>
+      </p:sp>
+      <p:sp>
+        <p:nvSpPr>
+          <p:cNvPr id="3" name="Notes Placeholder 2"/>
+          <p:cNvSpPr>
+            <a:spLocks noGrp="1"/>
+          </p:cNvSpPr>
+          <p:nvPr>
+            <p:ph type="body" idx="1"/>
+          </p:nvPr>
+        </p:nvSpPr>
+        <p:spPr/>
+        <p:txBody>
+          <a:bodyPr/>
+          <a:lstStyle/>
+          <a:p>
+            <a:pPr marL="0" marR="0" lvl="0" indent="0" algn="l" defTabSz="914400" rtl="0" eaLnBrk="1" fontAlgn="auto" latinLnBrk="0" hangingPunct="1">
+              <a:lnSpc>
+                <a:spcPct val="100000"/>
+              </a:lnSpc>
+              <a:spcBef>
+                <a:spcPts val="0"/>
+              </a:spcBef>
+              <a:spcAft>
+                <a:spcPts val="0"/>
+              </a:spcAft>
+              <a:buClrTx/>
+              <a:buSzTx/>
+              <a:buFontTx/>
+              <a:buNone/>
+              <a:tabLst/>
+              <a:defRPr/>
+            </a:pPr>
+            <a:r>
+              <a:rPr lang="en-US" sz="1200" kern="1200" dirty="0" smtClean="0">
+                <a:solidFill>
+                  <a:schemeClr val="tx1"/>
+                </a:solidFill>
+                <a:effectLst/>
+                <a:latin typeface="+mn-lt"/>
+                <a:ea typeface="+mn-ea"/>
+                <a:cs typeface="+mn-cs"/>
+              </a:rPr>
+              <a:t>Invest in you</a:t>
+            </a:r>
+          </a:p>
+          <a:p>
+            <a:endParaRPr lang="en-US" dirty="0"/>
+          </a:p>
+        </p:txBody>
+      </p:sp>
+      <p:sp>
+        <p:nvSpPr>
+          <p:cNvPr id="4" name="Slide Number Placeholder 3"/>
+          <p:cNvSpPr>
+            <a:spLocks noGrp="1"/>
+          </p:cNvSpPr>
+          <p:nvPr>
+            <p:ph type="sldNum" sz="quarter" idx="10"/>
+          </p:nvPr>
+        </p:nvSpPr>
+        <p:spPr/>
+        <p:txBody>
+          <a:bodyPr/>
+          <a:lstStyle/>
+          <a:p>
+            <a:fld id="{AF6D4DAB-7493-47C0-AFD6-CD5AD621CEC1}" type="slidenum">
+              <a:rPr lang="en-US" smtClean="0"/>
+              <a:t>5</a:t>
+            </a:fld>
+            <a:endParaRPr lang="en-US"/>
+          </a:p>
+        </p:txBody>
+      </p:sp>
+    </p:spTree>
+    <p:extLst>
+      <p:ext uri="{BB962C8B-B14F-4D97-AF65-F5344CB8AC3E}">
+        <p14:creationId xmlns:p14="http://schemas.microsoft.com/office/powerpoint/2010/main" val="3480253084"/>
+      </p:ext>
+    </p:extLst>
+  </p:cSld>
+  <p:clrMapOvr>
+    <a:masterClrMapping/>
+  </p:clrMapOvr>
+</p:notes>
+</file>
+
+<file path=ppt/notesSlides/notesSlide5.xml><?xml version="1.0" encoding="utf-8"?>
+<p:notes xmlns:a="http://schemas.openxmlformats.org/drawingml/2006/main" xmlns:r="http://schemas.openxmlformats.org/officeDocument/2006/relationships" xmlns:p="http://schemas.openxmlformats.org/presentationml/2006/main">
+  <p:cSld>
+    <p:spTree>
+      <p:nvGrpSpPr>
+        <p:cNvPr id="1" name=""/>
+        <p:cNvGrpSpPr/>
+        <p:nvPr/>
+      </p:nvGrpSpPr>
+      <p:grpSpPr>
+        <a:xfrm>
+          <a:off x="0" y="0"/>
+          <a:ext cx="0" cy="0"/>
+          <a:chOff x="0" y="0"/>
+          <a:chExt cx="0" cy="0"/>
+        </a:xfrm>
+      </p:grpSpPr>
+      <p:sp>
+        <p:nvSpPr>
+          <p:cNvPr id="2" name="Slide Image Placeholder 1"/>
+          <p:cNvSpPr>
+            <a:spLocks noGrp="1" noRot="1" noChangeAspect="1"/>
+          </p:cNvSpPr>
+          <p:nvPr>
+            <p:ph type="sldImg"/>
+          </p:nvPr>
+        </p:nvSpPr>
+        <p:spPr/>
+      </p:sp>
+      <p:sp>
+        <p:nvSpPr>
+          <p:cNvPr id="3" name="Notes Placeholder 2"/>
+          <p:cNvSpPr>
+            <a:spLocks noGrp="1"/>
+          </p:cNvSpPr>
+          <p:nvPr>
+            <p:ph type="body" idx="1"/>
+          </p:nvPr>
+        </p:nvSpPr>
+        <p:spPr/>
+        <p:txBody>
+          <a:bodyPr/>
+          <a:lstStyle/>
+          <a:p>
+            <a:pPr marL="0" marR="0" lvl="0" indent="0" algn="l" defTabSz="914400" rtl="0" eaLnBrk="1" fontAlgn="auto" latinLnBrk="0" hangingPunct="1">
+              <a:lnSpc>
+                <a:spcPct val="100000"/>
+              </a:lnSpc>
+              <a:spcBef>
+                <a:spcPts val="0"/>
+              </a:spcBef>
+              <a:spcAft>
+                <a:spcPts val="0"/>
+              </a:spcAft>
+              <a:buClrTx/>
+              <a:buSzTx/>
+              <a:buFontTx/>
+              <a:buNone/>
+              <a:tabLst/>
+              <a:defRPr/>
+            </a:pPr>
+            <a:r>
+              <a:rPr lang="en-US" sz="1200" kern="1200" dirty="0" smtClean="0">
+                <a:solidFill>
+                  <a:schemeClr val="tx1"/>
+                </a:solidFill>
+                <a:effectLst/>
+                <a:latin typeface="+mn-lt"/>
+                <a:ea typeface="+mn-ea"/>
+                <a:cs typeface="+mn-cs"/>
+              </a:rPr>
+              <a:t>Exposure to new topics</a:t>
+            </a:r>
+          </a:p>
+          <a:p>
+            <a:endParaRPr lang="en-US" dirty="0"/>
+          </a:p>
+        </p:txBody>
+      </p:sp>
+      <p:sp>
+        <p:nvSpPr>
+          <p:cNvPr id="4" name="Slide Number Placeholder 3"/>
+          <p:cNvSpPr>
+            <a:spLocks noGrp="1"/>
+          </p:cNvSpPr>
+          <p:nvPr>
+            <p:ph type="sldNum" sz="quarter" idx="10"/>
+          </p:nvPr>
+        </p:nvSpPr>
+        <p:spPr/>
+        <p:txBody>
+          <a:bodyPr/>
+          <a:lstStyle/>
+          <a:p>
+            <a:fld id="{AF6D4DAB-7493-47C0-AFD6-CD5AD621CEC1}" type="slidenum">
+              <a:rPr lang="en-US" smtClean="0"/>
+              <a:t>6</a:t>
+            </a:fld>
+            <a:endParaRPr lang="en-US"/>
+          </a:p>
+        </p:txBody>
+      </p:sp>
+    </p:spTree>
+    <p:extLst>
+      <p:ext uri="{BB962C8B-B14F-4D97-AF65-F5344CB8AC3E}">
+        <p14:creationId xmlns:p14="http://schemas.microsoft.com/office/powerpoint/2010/main" val="2857124352"/>
+      </p:ext>
+    </p:extLst>
+  </p:cSld>
+  <p:clrMapOvr>
+    <a:masterClrMapping/>
+  </p:clrMapOvr>
+</p:notes>
+</file>
+
+<file path=ppt/notesSlides/notesSlide6.xml><?xml version="1.0" encoding="utf-8"?>
+<p:notes xmlns:a="http://schemas.openxmlformats.org/drawingml/2006/main" xmlns:r="http://schemas.openxmlformats.org/officeDocument/2006/relationships" xmlns:p="http://schemas.openxmlformats.org/presentationml/2006/main">
+  <p:cSld>
+    <p:spTree>
+      <p:nvGrpSpPr>
+        <p:cNvPr id="1" name=""/>
+        <p:cNvGrpSpPr/>
+        <p:nvPr/>
+      </p:nvGrpSpPr>
+      <p:grpSpPr>
+        <a:xfrm>
+          <a:off x="0" y="0"/>
+          <a:ext cx="0" cy="0"/>
+          <a:chOff x="0" y="0"/>
+          <a:chExt cx="0" cy="0"/>
+        </a:xfrm>
+      </p:grpSpPr>
+      <p:sp>
+        <p:nvSpPr>
+          <p:cNvPr id="2" name="Slide Image Placeholder 1"/>
+          <p:cNvSpPr>
+            <a:spLocks noGrp="1" noRot="1" noChangeAspect="1"/>
+          </p:cNvSpPr>
+          <p:nvPr>
+            <p:ph type="sldImg"/>
+          </p:nvPr>
+        </p:nvSpPr>
+        <p:spPr/>
+      </p:sp>
+      <p:sp>
+        <p:nvSpPr>
+          <p:cNvPr id="3" name="Notes Placeholder 2"/>
+          <p:cNvSpPr>
+            <a:spLocks noGrp="1"/>
+          </p:cNvSpPr>
+          <p:nvPr>
+            <p:ph type="body" idx="1"/>
+          </p:nvPr>
+        </p:nvSpPr>
+        <p:spPr/>
+        <p:txBody>
+          <a:bodyPr/>
+          <a:lstStyle/>
+          <a:p>
+            <a:pPr marL="0" marR="0" lvl="0" indent="0" algn="l" defTabSz="914400" rtl="0" eaLnBrk="1" fontAlgn="auto" latinLnBrk="0" hangingPunct="1">
+              <a:lnSpc>
+                <a:spcPct val="100000"/>
+              </a:lnSpc>
+              <a:spcBef>
+                <a:spcPts val="0"/>
+              </a:spcBef>
+              <a:spcAft>
+                <a:spcPts val="0"/>
+              </a:spcAft>
+              <a:buClrTx/>
+              <a:buSzTx/>
+              <a:buFontTx/>
+              <a:buNone/>
+              <a:tabLst/>
+              <a:defRPr/>
+            </a:pPr>
+            <a:r>
+              <a:rPr lang="en-US" sz="1200" kern="1200" dirty="0" smtClean="0">
+                <a:solidFill>
+                  <a:schemeClr val="tx1"/>
+                </a:solidFill>
+                <a:effectLst/>
+                <a:latin typeface="+mn-lt"/>
+                <a:ea typeface="+mn-ea"/>
+                <a:cs typeface="+mn-cs"/>
+              </a:rPr>
+              <a:t>Meet new people</a:t>
+            </a:r>
+          </a:p>
+          <a:p>
+            <a:endParaRPr lang="en-US" dirty="0"/>
+          </a:p>
+        </p:txBody>
+      </p:sp>
+      <p:sp>
+        <p:nvSpPr>
+          <p:cNvPr id="4" name="Slide Number Placeholder 3"/>
+          <p:cNvSpPr>
+            <a:spLocks noGrp="1"/>
+          </p:cNvSpPr>
+          <p:nvPr>
+            <p:ph type="sldNum" sz="quarter" idx="10"/>
+          </p:nvPr>
+        </p:nvSpPr>
+        <p:spPr/>
+        <p:txBody>
+          <a:bodyPr/>
+          <a:lstStyle/>
+          <a:p>
+            <a:fld id="{AF6D4DAB-7493-47C0-AFD6-CD5AD621CEC1}" type="slidenum">
+              <a:rPr lang="en-US" smtClean="0"/>
+              <a:t>7</a:t>
+            </a:fld>
+            <a:endParaRPr lang="en-US"/>
+          </a:p>
+        </p:txBody>
+      </p:sp>
+    </p:spTree>
+    <p:extLst>
+      <p:ext uri="{BB962C8B-B14F-4D97-AF65-F5344CB8AC3E}">
+        <p14:creationId xmlns:p14="http://schemas.microsoft.com/office/powerpoint/2010/main" val="2419067077"/>
+      </p:ext>
+    </p:extLst>
+  </p:cSld>
+  <p:clrMapOvr>
+    <a:masterClrMapping/>
+  </p:clrMapOvr>
+</p:notes>
+</file>
+
+<file path=ppt/notesSlides/notesSlide7.xml><?xml version="1.0" encoding="utf-8"?>
+<p:notes xmlns:a="http://schemas.openxmlformats.org/drawingml/2006/main" xmlns:r="http://schemas.openxmlformats.org/officeDocument/2006/relationships" xmlns:p="http://schemas.openxmlformats.org/presentationml/2006/main">
+  <p:cSld>
+    <p:spTree>
+      <p:nvGrpSpPr>
+        <p:cNvPr id="1" name=""/>
+        <p:cNvGrpSpPr/>
+        <p:nvPr/>
+      </p:nvGrpSpPr>
+      <p:grpSpPr>
+        <a:xfrm>
+          <a:off x="0" y="0"/>
+          <a:ext cx="0" cy="0"/>
+          <a:chOff x="0" y="0"/>
+          <a:chExt cx="0" cy="0"/>
+        </a:xfrm>
+      </p:grpSpPr>
+      <p:sp>
+        <p:nvSpPr>
+          <p:cNvPr id="2" name="Slide Image Placeholder 1"/>
+          <p:cNvSpPr>
+            <a:spLocks noGrp="1" noRot="1" noChangeAspect="1"/>
+          </p:cNvSpPr>
+          <p:nvPr>
+            <p:ph type="sldImg"/>
+          </p:nvPr>
+        </p:nvSpPr>
+        <p:spPr/>
+      </p:sp>
+      <p:sp>
+        <p:nvSpPr>
+          <p:cNvPr id="3" name="Notes Placeholder 2"/>
+          <p:cNvSpPr>
+            <a:spLocks noGrp="1"/>
+          </p:cNvSpPr>
+          <p:nvPr>
+            <p:ph type="body" idx="1"/>
+          </p:nvPr>
+        </p:nvSpPr>
+        <p:spPr/>
+        <p:txBody>
+          <a:bodyPr/>
+          <a:lstStyle/>
+          <a:p>
+            <a:pPr marL="0" marR="0" lvl="0" indent="0" algn="l" defTabSz="914400" rtl="0" eaLnBrk="1" fontAlgn="auto" latinLnBrk="0" hangingPunct="1">
+              <a:lnSpc>
+                <a:spcPct val="100000"/>
+              </a:lnSpc>
+              <a:spcBef>
+                <a:spcPts val="0"/>
+              </a:spcBef>
+              <a:spcAft>
+                <a:spcPts val="0"/>
+              </a:spcAft>
+              <a:buClrTx/>
+              <a:buSzTx/>
+              <a:buFontTx/>
+              <a:buNone/>
+              <a:tabLst/>
+              <a:defRPr/>
+            </a:pPr>
+            <a:r>
+              <a:rPr lang="en-US" sz="1200" kern="1200" dirty="0" smtClean="0">
+                <a:solidFill>
+                  <a:schemeClr val="tx1"/>
+                </a:solidFill>
+                <a:effectLst/>
+                <a:latin typeface="+mn-lt"/>
+                <a:ea typeface="+mn-ea"/>
+                <a:cs typeface="+mn-cs"/>
+              </a:rPr>
+              <a:t>Get out what you put in</a:t>
+            </a:r>
+          </a:p>
+          <a:p>
+            <a:endParaRPr lang="en-US" dirty="0"/>
+          </a:p>
+        </p:txBody>
+      </p:sp>
+      <p:sp>
+        <p:nvSpPr>
+          <p:cNvPr id="4" name="Slide Number Placeholder 3"/>
+          <p:cNvSpPr>
+            <a:spLocks noGrp="1"/>
+          </p:cNvSpPr>
+          <p:nvPr>
+            <p:ph type="sldNum" sz="quarter" idx="10"/>
+          </p:nvPr>
+        </p:nvSpPr>
+        <p:spPr/>
+        <p:txBody>
+          <a:bodyPr/>
+          <a:lstStyle/>
+          <a:p>
+            <a:fld id="{AF6D4DAB-7493-47C0-AFD6-CD5AD621CEC1}" type="slidenum">
+              <a:rPr lang="en-US" smtClean="0"/>
+              <a:t>8</a:t>
+            </a:fld>
+            <a:endParaRPr lang="en-US"/>
+          </a:p>
+        </p:txBody>
+      </p:sp>
+    </p:spTree>
+    <p:extLst>
+      <p:ext uri="{BB962C8B-B14F-4D97-AF65-F5344CB8AC3E}">
+        <p14:creationId xmlns:p14="http://schemas.microsoft.com/office/powerpoint/2010/main" val="3218016580"/>
+      </p:ext>
+    </p:extLst>
+  </p:cSld>
+  <p:clrMapOvr>
+    <a:masterClrMapping/>
+  </p:clrMapOvr>
+</p:notes>
+</file>
+
+<file path=ppt/notesSlides/notesSlide8.xml><?xml version="1.0" encoding="utf-8"?>
+<p:notes xmlns:a="http://schemas.openxmlformats.org/drawingml/2006/main" xmlns:r="http://schemas.openxmlformats.org/officeDocument/2006/relationships" xmlns:p="http://schemas.openxmlformats.org/presentationml/2006/main">
+  <p:cSld>
+    <p:spTree>
+      <p:nvGrpSpPr>
+        <p:cNvPr id="1" name=""/>
+        <p:cNvGrpSpPr/>
+        <p:nvPr/>
+      </p:nvGrpSpPr>
+      <p:grpSpPr>
+        <a:xfrm>
+          <a:off x="0" y="0"/>
+          <a:ext cx="0" cy="0"/>
+          <a:chOff x="0" y="0"/>
+          <a:chExt cx="0" cy="0"/>
+        </a:xfrm>
+      </p:grpSpPr>
+      <p:sp>
+        <p:nvSpPr>
+          <p:cNvPr id="2" name="Slide Image Placeholder 1"/>
+          <p:cNvSpPr>
+            <a:spLocks noGrp="1" noRot="1" noChangeAspect="1"/>
+          </p:cNvSpPr>
+          <p:nvPr>
+            <p:ph type="sldImg"/>
+          </p:nvPr>
+        </p:nvSpPr>
+        <p:spPr/>
+      </p:sp>
+      <p:sp>
+        <p:nvSpPr>
+          <p:cNvPr id="3" name="Notes Placeholder 2"/>
+          <p:cNvSpPr>
+            <a:spLocks noGrp="1"/>
+          </p:cNvSpPr>
+          <p:nvPr>
+            <p:ph type="body" idx="1"/>
+          </p:nvPr>
+        </p:nvSpPr>
+        <p:spPr/>
+        <p:txBody>
+          <a:bodyPr/>
+          <a:lstStyle/>
+          <a:p>
+            <a:pPr marL="0" marR="0" lvl="0" indent="0" algn="l" defTabSz="914400" rtl="0" eaLnBrk="1" fontAlgn="auto" latinLnBrk="0" hangingPunct="1">
+              <a:lnSpc>
+                <a:spcPct val="100000"/>
+              </a:lnSpc>
+              <a:spcBef>
+                <a:spcPts val="0"/>
+              </a:spcBef>
+              <a:spcAft>
+                <a:spcPts val="0"/>
+              </a:spcAft>
+              <a:buClrTx/>
+              <a:buSzTx/>
+              <a:buFontTx/>
+              <a:buNone/>
+              <a:tabLst/>
+              <a:defRPr/>
+            </a:pPr>
+            <a:r>
+              <a:rPr lang="en-US" sz="1200" kern="1200" dirty="0" smtClean="0">
+                <a:solidFill>
+                  <a:schemeClr val="tx1"/>
+                </a:solidFill>
+                <a:effectLst/>
+                <a:latin typeface="+mn-lt"/>
+                <a:ea typeface="+mn-ea"/>
+                <a:cs typeface="+mn-cs"/>
+              </a:rPr>
+              <a:t>Get a new job</a:t>
+            </a:r>
+          </a:p>
+          <a:p>
+            <a:endParaRPr lang="en-US" dirty="0"/>
+          </a:p>
+        </p:txBody>
+      </p:sp>
+      <p:sp>
+        <p:nvSpPr>
+          <p:cNvPr id="4" name="Slide Number Placeholder 3"/>
+          <p:cNvSpPr>
+            <a:spLocks noGrp="1"/>
+          </p:cNvSpPr>
+          <p:nvPr>
+            <p:ph type="sldNum" sz="quarter" idx="10"/>
+          </p:nvPr>
+        </p:nvSpPr>
+        <p:spPr/>
+        <p:txBody>
+          <a:bodyPr/>
+          <a:lstStyle/>
+          <a:p>
+            <a:fld id="{AF6D4DAB-7493-47C0-AFD6-CD5AD621CEC1}" type="slidenum">
+              <a:rPr lang="en-US" smtClean="0"/>
+              <a:t>9</a:t>
+            </a:fld>
+            <a:endParaRPr lang="en-US"/>
+          </a:p>
+        </p:txBody>
+      </p:sp>
+    </p:spTree>
+    <p:extLst>
+      <p:ext uri="{BB962C8B-B14F-4D97-AF65-F5344CB8AC3E}">
+        <p14:creationId xmlns:p14="http://schemas.microsoft.com/office/powerpoint/2010/main" val="2127056310"/>
+      </p:ext>
+    </p:extLst>
+  </p:cSld>
+  <p:clrMapOvr>
+    <a:masterClrMapping/>
+  </p:clrMapOvr>
+</p:notes>
+</file>
+
+<file path=ppt/notesSlides/notesSlide9.xml><?xml version="1.0" encoding="utf-8"?>
+<p:notes xmlns:a="http://schemas.openxmlformats.org/drawingml/2006/main" xmlns:r="http://schemas.openxmlformats.org/officeDocument/2006/relationships" xmlns:p="http://schemas.openxmlformats.org/presentationml/2006/main">
+  <p:cSld>
+    <p:spTree>
+      <p:nvGrpSpPr>
+        <p:cNvPr id="1" name=""/>
+        <p:cNvGrpSpPr/>
+        <p:nvPr/>
+      </p:nvGrpSpPr>
+      <p:grpSpPr>
+        <a:xfrm>
+          <a:off x="0" y="0"/>
+          <a:ext cx="0" cy="0"/>
+          <a:chOff x="0" y="0"/>
+          <a:chExt cx="0" cy="0"/>
+        </a:xfrm>
+      </p:grpSpPr>
+      <p:sp>
+        <p:nvSpPr>
+          <p:cNvPr id="2" name="Slide Image Placeholder 1"/>
+          <p:cNvSpPr>
+            <a:spLocks noGrp="1" noRot="1" noChangeAspect="1"/>
+          </p:cNvSpPr>
+          <p:nvPr>
+            <p:ph type="sldImg"/>
+          </p:nvPr>
+        </p:nvSpPr>
+        <p:spPr/>
+      </p:sp>
+      <p:sp>
+        <p:nvSpPr>
+          <p:cNvPr id="3" name="Notes Placeholder 2"/>
+          <p:cNvSpPr>
+            <a:spLocks noGrp="1"/>
+          </p:cNvSpPr>
+          <p:nvPr>
+            <p:ph type="body" idx="1"/>
+          </p:nvPr>
+        </p:nvSpPr>
+        <p:spPr/>
+        <p:txBody>
+          <a:bodyPr/>
+          <a:lstStyle/>
+          <a:p>
+            <a:pPr marL="0" marR="0" lvl="0" indent="0" algn="l" defTabSz="914400" rtl="0" eaLnBrk="1" fontAlgn="auto" latinLnBrk="0" hangingPunct="1">
+              <a:lnSpc>
+                <a:spcPct val="100000"/>
+              </a:lnSpc>
+              <a:spcBef>
+                <a:spcPts val="0"/>
+              </a:spcBef>
+              <a:spcAft>
+                <a:spcPts val="0"/>
+              </a:spcAft>
+              <a:buClrTx/>
+              <a:buSzTx/>
+              <a:buFontTx/>
+              <a:buNone/>
+              <a:tabLst/>
+              <a:defRPr/>
+            </a:pPr>
+            <a:r>
+              <a:rPr lang="en-US" sz="1200" kern="1200" dirty="0" smtClean="0">
+                <a:solidFill>
+                  <a:schemeClr val="tx1"/>
+                </a:solidFill>
+                <a:effectLst/>
+                <a:latin typeface="+mn-lt"/>
+                <a:ea typeface="+mn-ea"/>
+                <a:cs typeface="+mn-cs"/>
+              </a:rPr>
+              <a:t>Fun</a:t>
+            </a:r>
+          </a:p>
+          <a:p>
+            <a:endParaRPr lang="en-US" dirty="0"/>
+          </a:p>
+        </p:txBody>
+      </p:sp>
+      <p:sp>
+        <p:nvSpPr>
+          <p:cNvPr id="4" name="Slide Number Placeholder 3"/>
+          <p:cNvSpPr>
+            <a:spLocks noGrp="1"/>
+          </p:cNvSpPr>
+          <p:nvPr>
+            <p:ph type="sldNum" sz="quarter" idx="10"/>
+          </p:nvPr>
+        </p:nvSpPr>
+        <p:spPr/>
+        <p:txBody>
+          <a:bodyPr/>
+          <a:lstStyle/>
+          <a:p>
+            <a:fld id="{AF6D4DAB-7493-47C0-AFD6-CD5AD621CEC1}" type="slidenum">
+              <a:rPr lang="en-US" smtClean="0"/>
+              <a:t>10</a:t>
+            </a:fld>
+            <a:endParaRPr lang="en-US"/>
+          </a:p>
+        </p:txBody>
+      </p:sp>
+    </p:spTree>
+    <p:extLst>
+      <p:ext uri="{BB962C8B-B14F-4D97-AF65-F5344CB8AC3E}">
+        <p14:creationId xmlns:p14="http://schemas.microsoft.com/office/powerpoint/2010/main" val="3929177488"/>
+      </p:ext>
+    </p:extLst>
+  </p:cSld>
+  <p:clrMapOvr>
+    <a:masterClrMapping/>
+  </p:clrMapOvr>
+</p:notes>
 </file>
 
 <file path=ppt/slideLayouts/slideLayout1.xml><?xml version="1.0" encoding="utf-8"?>
@@ -245,7 +1842,7 @@
           <a:p>
             <a:fld id="{3D8214B4-7BBA-4462-8CC3-F13D8A627658}" type="datetimeFigureOut">
               <a:rPr lang="en-US" smtClean="0"/>
-              <a:t>3/17/2015</a:t>
+              <a:t>3/27/2015</a:t>
             </a:fld>
             <a:endParaRPr lang="en-US"/>
           </a:p>
@@ -415,7 +2012,7 @@
           <a:p>
             <a:fld id="{3D8214B4-7BBA-4462-8CC3-F13D8A627658}" type="datetimeFigureOut">
               <a:rPr lang="en-US" smtClean="0"/>
-              <a:t>3/17/2015</a:t>
+              <a:t>3/27/2015</a:t>
             </a:fld>
             <a:endParaRPr lang="en-US"/>
           </a:p>
@@ -595,7 +2192,7 @@
           <a:p>
             <a:fld id="{3D8214B4-7BBA-4462-8CC3-F13D8A627658}" type="datetimeFigureOut">
               <a:rPr lang="en-US" smtClean="0"/>
-              <a:t>3/17/2015</a:t>
+              <a:t>3/27/2015</a:t>
             </a:fld>
             <a:endParaRPr lang="en-US"/>
           </a:p>
@@ -765,7 +2362,7 @@
           <a:p>
             <a:fld id="{3D8214B4-7BBA-4462-8CC3-F13D8A627658}" type="datetimeFigureOut">
               <a:rPr lang="en-US" smtClean="0"/>
-              <a:t>3/17/2015</a:t>
+              <a:t>3/27/2015</a:t>
             </a:fld>
             <a:endParaRPr lang="en-US"/>
           </a:p>
@@ -1011,7 +2608,7 @@
           <a:p>
             <a:fld id="{3D8214B4-7BBA-4462-8CC3-F13D8A627658}" type="datetimeFigureOut">
               <a:rPr lang="en-US" smtClean="0"/>
-              <a:t>3/17/2015</a:t>
+              <a:t>3/27/2015</a:t>
             </a:fld>
             <a:endParaRPr lang="en-US"/>
           </a:p>
@@ -1243,7 +2840,7 @@
           <a:p>
             <a:fld id="{3D8214B4-7BBA-4462-8CC3-F13D8A627658}" type="datetimeFigureOut">
               <a:rPr lang="en-US" smtClean="0"/>
-              <a:t>3/17/2015</a:t>
+              <a:t>3/27/2015</a:t>
             </a:fld>
             <a:endParaRPr lang="en-US"/>
           </a:p>
@@ -1610,7 +3207,7 @@
           <a:p>
             <a:fld id="{3D8214B4-7BBA-4462-8CC3-F13D8A627658}" type="datetimeFigureOut">
               <a:rPr lang="en-US" smtClean="0"/>
-              <a:t>3/17/2015</a:t>
+              <a:t>3/27/2015</a:t>
             </a:fld>
             <a:endParaRPr lang="en-US"/>
           </a:p>
@@ -1728,7 +3325,7 @@
           <a:p>
             <a:fld id="{3D8214B4-7BBA-4462-8CC3-F13D8A627658}" type="datetimeFigureOut">
               <a:rPr lang="en-US" smtClean="0"/>
-              <a:t>3/17/2015</a:t>
+              <a:t>3/27/2015</a:t>
             </a:fld>
             <a:endParaRPr lang="en-US"/>
           </a:p>
@@ -1823,7 +3420,7 @@
           <a:p>
             <a:fld id="{3D8214B4-7BBA-4462-8CC3-F13D8A627658}" type="datetimeFigureOut">
               <a:rPr lang="en-US" smtClean="0"/>
-              <a:t>3/17/2015</a:t>
+              <a:t>3/27/2015</a:t>
             </a:fld>
             <a:endParaRPr lang="en-US"/>
           </a:p>
@@ -2100,7 +3697,7 @@
           <a:p>
             <a:fld id="{3D8214B4-7BBA-4462-8CC3-F13D8A627658}" type="datetimeFigureOut">
               <a:rPr lang="en-US" smtClean="0"/>
-              <a:t>3/17/2015</a:t>
+              <a:t>3/27/2015</a:t>
             </a:fld>
             <a:endParaRPr lang="en-US"/>
           </a:p>
@@ -2353,7 +3950,7 @@
           <a:p>
             <a:fld id="{3D8214B4-7BBA-4462-8CC3-F13D8A627658}" type="datetimeFigureOut">
               <a:rPr lang="en-US" smtClean="0"/>
-              <a:t>3/17/2015</a:t>
+              <a:t>3/27/2015</a:t>
             </a:fld>
             <a:endParaRPr lang="en-US"/>
           </a:p>
@@ -2566,7 +4163,7 @@
           <a:p>
             <a:fld id="{3D8214B4-7BBA-4462-8CC3-F13D8A627658}" type="datetimeFigureOut">
               <a:rPr lang="en-US" smtClean="0"/>
-              <a:t>3/17/2015</a:t>
+              <a:t>3/27/2015</a:t>
             </a:fld>
             <a:endParaRPr lang="en-US"/>
           </a:p>
@@ -2960,7 +4557,7 @@
     <p:bg>
       <p:bgPr>
         <a:blipFill dpi="0" rotWithShape="1">
-          <a:blip r:embed="rId2">
+          <a:blip r:embed="rId3">
             <a:lum/>
           </a:blip>
           <a:srcRect/>
@@ -2985,93 +4582,79 @@
           <a:chExt cx="0" cy="0"/>
         </a:xfrm>
       </p:grpSpPr>
-      <p:sp>
-        <p:nvSpPr>
-          <p:cNvPr id="2" name="Title 1"/>
-          <p:cNvSpPr>
-            <a:spLocks noGrp="1"/>
-          </p:cNvSpPr>
-          <p:nvPr>
-            <p:ph type="ctrTitle"/>
-          </p:nvPr>
-        </p:nvSpPr>
-        <p:spPr/>
-        <p:txBody>
-          <a:bodyPr/>
-          <a:lstStyle/>
-          <a:p>
-            <a:r>
-              <a:rPr lang="en-US" dirty="0" smtClean="0"/>
-              <a:t>Why Community?</a:t>
-            </a:r>
-            <a:endParaRPr lang="en-US" dirty="0"/>
-          </a:p>
-        </p:txBody>
-      </p:sp>
-      <p:sp>
-        <p:nvSpPr>
-          <p:cNvPr id="3" name="Subtitle 2"/>
-          <p:cNvSpPr>
-            <a:spLocks noGrp="1"/>
-          </p:cNvSpPr>
-          <p:nvPr>
-            <p:ph type="subTitle" idx="1"/>
-          </p:nvPr>
-        </p:nvSpPr>
-        <p:spPr/>
-        <p:txBody>
-          <a:bodyPr/>
-          <a:lstStyle/>
-          <a:p>
-            <a:r>
-              <a:rPr lang="en-US" dirty="0" smtClean="0"/>
-              <a:t>Shawn Weisfeld</a:t>
-            </a:r>
-          </a:p>
-          <a:p>
-            <a:r>
-              <a:rPr lang="en-US" dirty="0" smtClean="0"/>
-              <a:t>shawn@shawnweisfeld.com</a:t>
-            </a:r>
-          </a:p>
-          <a:p>
-            <a:r>
-              <a:rPr lang="en-US" dirty="0" smtClean="0"/>
-              <a:t>@</a:t>
-            </a:r>
-            <a:r>
-              <a:rPr lang="en-US" dirty="0" err="1" smtClean="0"/>
-              <a:t>shawnweisfeld</a:t>
-            </a:r>
-            <a:endParaRPr lang="en-US" dirty="0"/>
-          </a:p>
-        </p:txBody>
-      </p:sp>
+      <p:pic>
+        <p:nvPicPr>
+          <p:cNvPr id="1026" name="Picture 2" descr="ONETUG Logo"/>
+          <p:cNvPicPr>
+            <a:picLocks noChangeAspect="1" noChangeArrowheads="1"/>
+          </p:cNvPicPr>
+          <p:nvPr/>
+        </p:nvPicPr>
+        <p:blipFill>
+          <a:blip r:embed="rId4">
+            <a:extLst>
+              <a:ext uri="{28A0092B-C50C-407E-A947-70E740481C1C}">
+                <a14:useLocalDpi xmlns:a14="http://schemas.microsoft.com/office/drawing/2010/main" val="0"/>
+              </a:ext>
+            </a:extLst>
+          </a:blip>
+          <a:srcRect/>
+          <a:stretch>
+            <a:fillRect/>
+          </a:stretch>
+        </p:blipFill>
+        <p:spPr bwMode="auto">
+          <a:xfrm>
+            <a:off x="235473" y="5513429"/>
+            <a:ext cx="2152620" cy="1156368"/>
+          </a:xfrm>
+          <a:prstGeom prst="rect">
+            <a:avLst/>
+          </a:prstGeom>
+          <a:noFill/>
+          <a:extLst>
+            <a:ext uri="{909E8E84-426E-40DD-AFC4-6F175D3DCCD1}">
+              <a14:hiddenFill xmlns:a14="http://schemas.microsoft.com/office/drawing/2010/main">
+                <a:solidFill>
+                  <a:srgbClr val="FFFFFF"/>
+                </a:solidFill>
+              </a14:hiddenFill>
+            </a:ext>
+          </a:extLst>
+        </p:spPr>
+      </p:pic>
     </p:spTree>
     <p:extLst>
       <p:ext uri="{BB962C8B-B14F-4D97-AF65-F5344CB8AC3E}">
-        <p14:creationId xmlns:p14="http://schemas.microsoft.com/office/powerpoint/2010/main" val="64541341"/>
+        <p14:creationId xmlns:p14="http://schemas.microsoft.com/office/powerpoint/2010/main" val="555621459"/>
       </p:ext>
     </p:extLst>
   </p:cSld>
   <p:clrMapOvr>
     <a:masterClrMapping/>
   </p:clrMapOvr>
+  <p:timing>
+    <p:tnLst>
+      <p:par>
+        <p:cTn id="1" dur="indefinite" restart="never" nodeType="tmRoot"/>
+      </p:par>
+    </p:tnLst>
+  </p:timing>
 </p:sld>
 </file>
 
-<file path=ppt/slides/slide2.xml><?xml version="1.0" encoding="utf-8"?>
+<file path=ppt/slides/slide10.xml><?xml version="1.0" encoding="utf-8"?>
 <p:sld xmlns:a="http://schemas.openxmlformats.org/drawingml/2006/main" xmlns:r="http://schemas.openxmlformats.org/officeDocument/2006/relationships" xmlns:p="http://schemas.openxmlformats.org/presentationml/2006/main">
   <p:cSld>
     <p:bg>
       <p:bgPr>
         <a:blipFill dpi="0" rotWithShape="1">
-          <a:blip r:embed="rId2">
+          <a:blip r:embed="rId3">
             <a:lum/>
           </a:blip>
           <a:srcRect/>
           <a:stretch>
-            <a:fillRect t="-16000" b="-16000"/>
+            <a:fillRect t="-8000" b="-8000"/>
           </a:stretch>
         </a:blipFill>
         <a:effectLst/>
@@ -3106,10 +4689,7 @@
           <a:bodyPr/>
           <a:lstStyle/>
           <a:p>
-            <a:r>
-              <a:rPr lang="en-US" dirty="0"/>
-              <a:t>Learning new things</a:t>
-            </a:r>
+            <a:endParaRPr lang="en-US" dirty="0"/>
           </a:p>
         </p:txBody>
       </p:sp>
@@ -3135,23 +4715,30 @@
     </p:spTree>
     <p:extLst>
       <p:ext uri="{BB962C8B-B14F-4D97-AF65-F5344CB8AC3E}">
-        <p14:creationId xmlns:p14="http://schemas.microsoft.com/office/powerpoint/2010/main" val="785245168"/>
+        <p14:creationId xmlns:p14="http://schemas.microsoft.com/office/powerpoint/2010/main" val="2069373597"/>
       </p:ext>
     </p:extLst>
   </p:cSld>
   <p:clrMapOvr>
     <a:masterClrMapping/>
   </p:clrMapOvr>
+  <p:timing>
+    <p:tnLst>
+      <p:par>
+        <p:cTn id="1" dur="indefinite" restart="never" nodeType="tmRoot"/>
+      </p:par>
+    </p:tnLst>
+  </p:timing>
 </p:sld>
 </file>
 
-<file path=ppt/slides/slide3.xml><?xml version="1.0" encoding="utf-8"?>
+<file path=ppt/slides/slide11.xml><?xml version="1.0" encoding="utf-8"?>
 <p:sld xmlns:a="http://schemas.openxmlformats.org/drawingml/2006/main" xmlns:r="http://schemas.openxmlformats.org/officeDocument/2006/relationships" xmlns:p="http://schemas.openxmlformats.org/presentationml/2006/main">
   <p:cSld>
     <p:bg>
       <p:bgPr>
         <a:blipFill dpi="0" rotWithShape="1">
-          <a:blip r:embed="rId2">
+          <a:blip r:embed="rId3">
             <a:lum/>
           </a:blip>
           <a:srcRect/>
@@ -3191,10 +4778,1032 @@
           <a:bodyPr/>
           <a:lstStyle/>
           <a:p>
+            <a:endParaRPr lang="en-US" dirty="0"/>
+          </a:p>
+        </p:txBody>
+      </p:sp>
+    </p:spTree>
+    <p:extLst>
+      <p:ext uri="{BB962C8B-B14F-4D97-AF65-F5344CB8AC3E}">
+        <p14:creationId xmlns:p14="http://schemas.microsoft.com/office/powerpoint/2010/main" val="1322918257"/>
+      </p:ext>
+    </p:extLst>
+  </p:cSld>
+  <p:clrMapOvr>
+    <a:masterClrMapping/>
+  </p:clrMapOvr>
+  <p:timing>
+    <p:tnLst>
+      <p:par>
+        <p:cTn id="1" dur="indefinite" restart="never" nodeType="tmRoot"/>
+      </p:par>
+    </p:tnLst>
+  </p:timing>
+</p:sld>
+</file>
+
+<file path=ppt/slides/slide12.xml><?xml version="1.0" encoding="utf-8"?>
+<p:sld xmlns:a="http://schemas.openxmlformats.org/drawingml/2006/main" xmlns:r="http://schemas.openxmlformats.org/officeDocument/2006/relationships" xmlns:p="http://schemas.openxmlformats.org/presentationml/2006/main">
+  <p:cSld>
+    <p:bg>
+      <p:bgPr>
+        <a:blipFill dpi="0" rotWithShape="1">
+          <a:blip r:embed="rId3">
+            <a:lum/>
+          </a:blip>
+          <a:srcRect/>
+          <a:stretch>
+            <a:fillRect/>
+          </a:stretch>
+        </a:blipFill>
+        <a:effectLst/>
+      </p:bgPr>
+    </p:bg>
+    <p:spTree>
+      <p:nvGrpSpPr>
+        <p:cNvPr id="1" name=""/>
+        <p:cNvGrpSpPr/>
+        <p:nvPr/>
+      </p:nvGrpSpPr>
+      <p:grpSpPr>
+        <a:xfrm>
+          <a:off x="0" y="0"/>
+          <a:ext cx="0" cy="0"/>
+          <a:chOff x="0" y="0"/>
+          <a:chExt cx="0" cy="0"/>
+        </a:xfrm>
+      </p:grpSpPr>
+      <p:sp>
+        <p:nvSpPr>
+          <p:cNvPr id="6" name="Rectangle 5"/>
+          <p:cNvSpPr/>
+          <p:nvPr/>
+        </p:nvSpPr>
+        <p:spPr>
+          <a:xfrm>
+            <a:off x="73980" y="5408694"/>
+            <a:ext cx="6096000" cy="1384995"/>
+          </a:xfrm>
+          <a:prstGeom prst="rect">
+            <a:avLst/>
+          </a:prstGeom>
+        </p:spPr>
+        <p:txBody>
+          <a:bodyPr>
+            <a:spAutoFit/>
+          </a:bodyPr>
+          <a:lstStyle/>
+          <a:p>
+            <a:r>
+              <a:rPr lang="en-US" sz="2800" dirty="0"/>
+              <a:t>Shawn Weisfeld</a:t>
+            </a:r>
+          </a:p>
+          <a:p>
+            <a:r>
+              <a:rPr lang="en-US" sz="2800" dirty="0"/>
+              <a:t>@</a:t>
+            </a:r>
+            <a:r>
+              <a:rPr lang="en-US" sz="2800" dirty="0" err="1"/>
+              <a:t>shawnweisfeld</a:t>
+            </a:r>
+            <a:endParaRPr lang="en-US" sz="2800" dirty="0"/>
+          </a:p>
+          <a:p>
+            <a:r>
+              <a:rPr lang="en-US" sz="2800" dirty="0"/>
+              <a:t>shawn@shawnweisfeld.com</a:t>
+            </a:r>
+          </a:p>
+        </p:txBody>
+      </p:sp>
+    </p:spTree>
+    <p:extLst>
+      <p:ext uri="{BB962C8B-B14F-4D97-AF65-F5344CB8AC3E}">
+        <p14:creationId xmlns:p14="http://schemas.microsoft.com/office/powerpoint/2010/main" val="2620495932"/>
+      </p:ext>
+    </p:extLst>
+  </p:cSld>
+  <p:clrMapOvr>
+    <a:masterClrMapping/>
+  </p:clrMapOvr>
+  <p:timing>
+    <p:tnLst>
+      <p:par>
+        <p:cTn id="1" dur="indefinite" restart="never" nodeType="tmRoot"/>
+      </p:par>
+    </p:tnLst>
+  </p:timing>
+</p:sld>
+</file>
+
+<file path=ppt/slides/slide2.xml><?xml version="1.0" encoding="utf-8"?>
+<p:sld xmlns:a="http://schemas.openxmlformats.org/drawingml/2006/main" xmlns:r="http://schemas.openxmlformats.org/officeDocument/2006/relationships" xmlns:p="http://schemas.openxmlformats.org/presentationml/2006/main">
+  <p:cSld>
+    <p:spTree>
+      <p:nvGrpSpPr>
+        <p:cNvPr id="1" name=""/>
+        <p:cNvGrpSpPr/>
+        <p:nvPr/>
+      </p:nvGrpSpPr>
+      <p:grpSpPr>
+        <a:xfrm>
+          <a:off x="0" y="0"/>
+          <a:ext cx="0" cy="0"/>
+          <a:chOff x="0" y="0"/>
+          <a:chExt cx="0" cy="0"/>
+        </a:xfrm>
+      </p:grpSpPr>
+      <p:sp>
+        <p:nvSpPr>
+          <p:cNvPr id="3" name="Title 2"/>
+          <p:cNvSpPr>
+            <a:spLocks noGrp="1"/>
+          </p:cNvSpPr>
+          <p:nvPr>
+            <p:ph type="title"/>
+          </p:nvPr>
+        </p:nvSpPr>
+        <p:spPr/>
+        <p:txBody>
+          <a:bodyPr>
+            <a:normAutofit fontScale="90000"/>
+          </a:bodyPr>
+          <a:lstStyle/>
+          <a:p>
+            <a:r>
+              <a:rPr lang="en-US" b="1" dirty="0"/>
+              <a:t>Watch User Group presentations </a:t>
+            </a:r>
+            <a:r>
+              <a:rPr lang="en-US" b="1" dirty="0" smtClean="0"/>
+              <a:t/>
+            </a:r>
+            <a:br>
+              <a:rPr lang="en-US" b="1" dirty="0" smtClean="0"/>
+            </a:br>
+            <a:r>
+              <a:rPr lang="en-US" b="1" dirty="0" smtClean="0"/>
+              <a:t>for </a:t>
+            </a:r>
+            <a:r>
+              <a:rPr lang="en-US" sz="5882" b="1" dirty="0"/>
+              <a:t>FREE </a:t>
+            </a:r>
+            <a:r>
+              <a:rPr lang="en-US" b="1" dirty="0"/>
+              <a:t>online!</a:t>
+            </a:r>
+            <a:br>
+              <a:rPr lang="en-US" b="1" dirty="0"/>
+            </a:br>
+            <a:endParaRPr lang="en-US" dirty="0"/>
+          </a:p>
+        </p:txBody>
+      </p:sp>
+      <p:sp>
+        <p:nvSpPr>
+          <p:cNvPr id="4" name="TextBox 3"/>
+          <p:cNvSpPr txBox="1"/>
+          <p:nvPr/>
+        </p:nvSpPr>
+        <p:spPr>
+          <a:xfrm>
+            <a:off x="418643" y="2009661"/>
+            <a:ext cx="4427432" cy="1448287"/>
+          </a:xfrm>
+          <a:prstGeom prst="rect">
+            <a:avLst/>
+          </a:prstGeom>
+          <a:noFill/>
+        </p:spPr>
+        <p:txBody>
+          <a:bodyPr wrap="square" rtlCol="0">
+            <a:spAutoFit/>
+          </a:bodyPr>
+          <a:lstStyle/>
+          <a:p>
+            <a:pPr marL="280121" indent="-280121">
+              <a:buFont typeface="Arial" pitchFamily="34" charset="0"/>
+              <a:buChar char="•"/>
+            </a:pPr>
+            <a:r>
+              <a:rPr lang="en-US" sz="1765" dirty="0"/>
+              <a:t>Miss a User Group meeting?</a:t>
+            </a:r>
+          </a:p>
+          <a:p>
+            <a:pPr marL="280121" indent="-280121">
+              <a:buFont typeface="Arial" pitchFamily="34" charset="0"/>
+              <a:buChar char="•"/>
+            </a:pPr>
+            <a:r>
+              <a:rPr lang="en-US" sz="1765" dirty="0"/>
+              <a:t>Forget something that you learned?</a:t>
+            </a:r>
+          </a:p>
+          <a:p>
+            <a:pPr marL="280121" indent="-280121">
+              <a:buFont typeface="Arial" pitchFamily="34" charset="0"/>
+              <a:buChar char="•"/>
+            </a:pPr>
+            <a:r>
+              <a:rPr lang="en-US" sz="1765" dirty="0"/>
+              <a:t>Want to see content from a User Group not in your area?</a:t>
+            </a:r>
+          </a:p>
+          <a:p>
+            <a:pPr marL="280121" indent="-280121">
+              <a:buFont typeface="Arial" pitchFamily="34" charset="0"/>
+              <a:buChar char="•"/>
+            </a:pPr>
+            <a:r>
+              <a:rPr lang="en-US" sz="1765" dirty="0"/>
+              <a:t>Want to share with a buddy?</a:t>
+            </a:r>
+          </a:p>
+        </p:txBody>
+      </p:sp>
+      <p:sp>
+        <p:nvSpPr>
+          <p:cNvPr id="5" name="TextBox 4"/>
+          <p:cNvSpPr txBox="1"/>
+          <p:nvPr/>
+        </p:nvSpPr>
+        <p:spPr>
+          <a:xfrm>
+            <a:off x="5403640" y="2154816"/>
+            <a:ext cx="2890381" cy="1176733"/>
+          </a:xfrm>
+          <a:prstGeom prst="rect">
+            <a:avLst/>
+          </a:prstGeom>
+          <a:noFill/>
+        </p:spPr>
+        <p:txBody>
+          <a:bodyPr wrap="square" rtlCol="0">
+            <a:spAutoFit/>
+          </a:bodyPr>
+          <a:lstStyle/>
+          <a:p>
+            <a:pPr algn="ctr"/>
+            <a:r>
+              <a:rPr lang="en-US" sz="1765" dirty="0"/>
+              <a:t>We know you cannot make it to every User Group meeting, </a:t>
+            </a:r>
+          </a:p>
+          <a:p>
+            <a:pPr algn="ctr"/>
+            <a:r>
+              <a:rPr lang="en-US" sz="1765" dirty="0"/>
+              <a:t>that is why we post them online for you!</a:t>
+            </a:r>
+            <a:endParaRPr lang="en-US" sz="1765" dirty="0"/>
+          </a:p>
+        </p:txBody>
+      </p:sp>
+      <p:sp>
+        <p:nvSpPr>
+          <p:cNvPr id="6" name="TextBox 5"/>
+          <p:cNvSpPr txBox="1"/>
+          <p:nvPr/>
+        </p:nvSpPr>
+        <p:spPr>
+          <a:xfrm>
+            <a:off x="2119671" y="3831224"/>
+            <a:ext cx="5703462" cy="1056042"/>
+          </a:xfrm>
+          <a:prstGeom prst="rect">
+            <a:avLst/>
+          </a:prstGeom>
+          <a:noFill/>
+        </p:spPr>
+        <p:txBody>
+          <a:bodyPr wrap="square" rtlCol="0">
+            <a:spAutoFit/>
+          </a:bodyPr>
+          <a:lstStyle/>
+          <a:p>
+            <a:pPr algn="ctr"/>
+            <a:r>
+              <a:rPr lang="en-US" sz="1961" dirty="0"/>
+              <a:t>We now have over </a:t>
+            </a:r>
+            <a:r>
+              <a:rPr lang="en-US" sz="2353" b="1" dirty="0"/>
+              <a:t>425 </a:t>
+            </a:r>
+            <a:r>
+              <a:rPr lang="en-US" sz="1961" dirty="0"/>
+              <a:t>presentations online</a:t>
+            </a:r>
+          </a:p>
+          <a:p>
+            <a:pPr algn="ctr"/>
+            <a:r>
+              <a:rPr lang="en-US" sz="1961" b="1" dirty="0"/>
+              <a:t>That is over 100 GB of video</a:t>
+            </a:r>
+          </a:p>
+          <a:p>
+            <a:pPr algn="ctr"/>
+            <a:r>
+              <a:rPr lang="en-US" sz="1961" dirty="0"/>
+              <a:t>New Content added all the time!</a:t>
+            </a:r>
+            <a:endParaRPr lang="en-US" sz="1961" dirty="0"/>
+          </a:p>
+        </p:txBody>
+      </p:sp>
+      <p:grpSp>
+        <p:nvGrpSpPr>
+          <p:cNvPr id="16" name="Group 15"/>
+          <p:cNvGrpSpPr/>
+          <p:nvPr/>
+        </p:nvGrpSpPr>
+        <p:grpSpPr>
+          <a:xfrm>
+            <a:off x="269241" y="5114434"/>
+            <a:ext cx="2547199" cy="1418114"/>
+            <a:chOff x="5900737" y="4977318"/>
+            <a:chExt cx="2598276" cy="1446550"/>
+          </a:xfrm>
+        </p:grpSpPr>
+        <p:sp>
+          <p:nvSpPr>
+            <p:cNvPr id="7" name="TextBox 6"/>
+            <p:cNvSpPr txBox="1"/>
+            <p:nvPr/>
+          </p:nvSpPr>
+          <p:spPr>
+            <a:xfrm>
+              <a:off x="5900737" y="4977318"/>
+              <a:ext cx="2598276" cy="1446550"/>
+            </a:xfrm>
+            <a:prstGeom prst="rect">
+              <a:avLst/>
+            </a:prstGeom>
+            <a:noFill/>
+            <a:ln cmpd="thickThin">
+              <a:solidFill>
+                <a:schemeClr val="accent1"/>
+              </a:solidFill>
+            </a:ln>
+          </p:spPr>
+          <p:txBody>
+            <a:bodyPr wrap="none" rtlCol="0">
+              <a:spAutoFit/>
+            </a:bodyPr>
+            <a:lstStyle/>
+            <a:p>
+              <a:pPr algn="ctr"/>
+              <a:r>
+                <a:rPr lang="en-US" sz="1372" dirty="0"/>
+                <a:t>F</a:t>
+              </a:r>
+              <a:r>
+                <a:rPr lang="en-US" sz="1372" dirty="0"/>
+                <a:t>or new content announcements</a:t>
+              </a:r>
+            </a:p>
+            <a:p>
+              <a:pPr algn="ctr"/>
+              <a:endParaRPr lang="en-US" sz="1372" dirty="0"/>
+            </a:p>
+            <a:p>
+              <a:pPr algn="ctr"/>
+              <a:endParaRPr lang="en-US" sz="1372" dirty="0"/>
+            </a:p>
+            <a:p>
+              <a:pPr algn="ctr"/>
+              <a:endParaRPr lang="en-US" sz="1372" dirty="0"/>
+            </a:p>
+            <a:p>
+              <a:pPr algn="ctr"/>
+              <a:endParaRPr lang="en-US" sz="1372" dirty="0"/>
+            </a:p>
+            <a:p>
+              <a:pPr algn="ctr"/>
+              <a:r>
+                <a:rPr lang="en-US" sz="1765" dirty="0"/>
+                <a:t>@</a:t>
+              </a:r>
+              <a:r>
+                <a:rPr lang="en-US" sz="1765" dirty="0" err="1"/>
+                <a:t>UserGroupTV</a:t>
+              </a:r>
+              <a:endParaRPr lang="en-US" sz="1765" dirty="0"/>
+            </a:p>
+          </p:txBody>
+        </p:sp>
+        <p:pic>
+          <p:nvPicPr>
+            <p:cNvPr id="8" name="Picture 3"/>
+            <p:cNvPicPr>
+              <a:picLocks noChangeAspect="1" noChangeArrowheads="1"/>
+            </p:cNvPicPr>
+            <p:nvPr/>
+          </p:nvPicPr>
+          <p:blipFill>
+            <a:blip r:embed="rId2">
+              <a:extLst>
+                <a:ext uri="{28A0092B-C50C-407E-A947-70E740481C1C}">
+                  <a14:useLocalDpi xmlns:a14="http://schemas.microsoft.com/office/drawing/2010/main" val="0"/>
+                </a:ext>
+              </a:extLst>
+            </a:blip>
+            <a:srcRect/>
+            <a:stretch>
+              <a:fillRect/>
+            </a:stretch>
+          </p:blipFill>
+          <p:spPr bwMode="auto">
+            <a:xfrm>
+              <a:off x="6339712" y="5319593"/>
+              <a:ext cx="1707444" cy="762000"/>
+            </a:xfrm>
+            <a:prstGeom prst="rect">
+              <a:avLst/>
+            </a:prstGeom>
+            <a:noFill/>
+            <a:ln>
+              <a:noFill/>
+            </a:ln>
+            <a:effectLst/>
+            <a:extLst>
+              <a:ext uri="{909E8E84-426E-40DD-AFC4-6F175D3DCCD1}">
+                <a14:hiddenFill xmlns:a14="http://schemas.microsoft.com/office/drawing/2010/main">
+                  <a:solidFill>
+                    <a:schemeClr val="accent1"/>
+                  </a:solidFill>
+                </a14:hiddenFill>
+              </a:ext>
+              <a:ext uri="{91240B29-F687-4F45-9708-019B960494DF}">
+                <a14:hiddenLine xmlns:a14="http://schemas.microsoft.com/office/drawing/2010/main" w="9525">
+                  <a:solidFill>
+                    <a:schemeClr val="tx1"/>
+                  </a:solidFill>
+                  <a:miter lim="800000"/>
+                  <a:headEnd/>
+                  <a:tailEnd/>
+                </a14:hiddenLine>
+              </a:ext>
+              <a:ext uri="{AF507438-7753-43E0-B8FC-AC1667EBCBE1}">
+                <a14:hiddenEffects xmlns:a14="http://schemas.microsoft.com/office/drawing/2010/main">
+                  <a:effectLst>
+                    <a:outerShdw dist="35921" dir="2700000" algn="ctr" rotWithShape="0">
+                      <a:schemeClr val="bg2"/>
+                    </a:outerShdw>
+                  </a:effectLst>
+                </a14:hiddenEffects>
+              </a:ext>
+            </a:extLst>
+          </p:spPr>
+        </p:pic>
+      </p:grpSp>
+      <p:sp>
+        <p:nvSpPr>
+          <p:cNvPr id="9" name="TextBox 8"/>
+          <p:cNvSpPr txBox="1"/>
+          <p:nvPr/>
+        </p:nvSpPr>
+        <p:spPr>
+          <a:xfrm>
+            <a:off x="8862762" y="1564922"/>
+            <a:ext cx="2506026" cy="2443983"/>
+          </a:xfrm>
+          <a:prstGeom prst="rect">
+            <a:avLst/>
+          </a:prstGeom>
+          <a:noFill/>
+        </p:spPr>
+        <p:txBody>
+          <a:bodyPr wrap="none" rtlCol="0">
+            <a:spAutoFit/>
+          </a:bodyPr>
+          <a:lstStyle/>
+          <a:p>
+            <a:r>
+              <a:rPr lang="en-US" sz="1568" dirty="0"/>
+              <a:t>All the topics you care about</a:t>
+            </a:r>
+          </a:p>
+          <a:p>
+            <a:r>
+              <a:rPr lang="en-US" sz="1372" dirty="0"/>
+              <a:t>Including:</a:t>
+            </a:r>
+          </a:p>
+          <a:p>
+            <a:pPr marL="280121" indent="-280121">
+              <a:buFont typeface="Arial" pitchFamily="34" charset="0"/>
+              <a:buChar char="•"/>
+            </a:pPr>
+            <a:r>
+              <a:rPr lang="en-US" sz="1372" dirty="0"/>
+              <a:t>Agile</a:t>
+            </a:r>
+          </a:p>
+          <a:p>
+            <a:pPr marL="280121" indent="-280121">
+              <a:buFont typeface="Arial" pitchFamily="34" charset="0"/>
+              <a:buChar char="•"/>
+            </a:pPr>
+            <a:r>
+              <a:rPr lang="en-US" sz="1372" dirty="0"/>
+              <a:t>C#</a:t>
+            </a:r>
+          </a:p>
+          <a:p>
+            <a:pPr marL="280121" indent="-280121">
+              <a:buFont typeface="Arial" pitchFamily="34" charset="0"/>
+              <a:buChar char="•"/>
+            </a:pPr>
+            <a:r>
+              <a:rPr lang="en-US" sz="1372" dirty="0"/>
+              <a:t>Entity Framework</a:t>
+            </a:r>
+          </a:p>
+          <a:p>
+            <a:pPr marL="280121" indent="-280121">
+              <a:buFont typeface="Arial" pitchFamily="34" charset="0"/>
+              <a:buChar char="•"/>
+            </a:pPr>
+            <a:r>
+              <a:rPr lang="en-US" sz="1372" dirty="0"/>
+              <a:t>HTML5</a:t>
+            </a:r>
+          </a:p>
+          <a:p>
+            <a:pPr marL="280121" indent="-280121">
+              <a:buFont typeface="Arial" pitchFamily="34" charset="0"/>
+              <a:buChar char="•"/>
+            </a:pPr>
+            <a:r>
+              <a:rPr lang="en-US" sz="1372" dirty="0"/>
+              <a:t>MVC</a:t>
+            </a:r>
+          </a:p>
+          <a:p>
+            <a:pPr marL="280121" indent="-280121">
+              <a:buFont typeface="Arial" pitchFamily="34" charset="0"/>
+              <a:buChar char="•"/>
+            </a:pPr>
+            <a:r>
+              <a:rPr lang="en-US" sz="1372" dirty="0"/>
+              <a:t>Silverlight</a:t>
+            </a:r>
+          </a:p>
+          <a:p>
+            <a:pPr marL="280121" indent="-280121">
+              <a:buFont typeface="Arial" pitchFamily="34" charset="0"/>
+              <a:buChar char="•"/>
+            </a:pPr>
+            <a:r>
+              <a:rPr lang="en-US" sz="1372" dirty="0"/>
+              <a:t>XAML</a:t>
+            </a:r>
+          </a:p>
+          <a:p>
+            <a:pPr marL="280121" indent="-280121">
+              <a:buFont typeface="Arial" pitchFamily="34" charset="0"/>
+              <a:buChar char="•"/>
+            </a:pPr>
+            <a:r>
+              <a:rPr lang="en-US" sz="1372" dirty="0" err="1"/>
+              <a:t>jQuery</a:t>
+            </a:r>
+            <a:endParaRPr lang="en-US" sz="1372" dirty="0"/>
+          </a:p>
+          <a:p>
+            <a:pPr marL="280121" indent="-280121">
+              <a:buFont typeface="Arial" pitchFamily="34" charset="0"/>
+              <a:buChar char="•"/>
+            </a:pPr>
+            <a:r>
+              <a:rPr lang="en-US" sz="1372" dirty="0"/>
+              <a:t>and Much More!</a:t>
+            </a:r>
+          </a:p>
+        </p:txBody>
+      </p:sp>
+      <p:sp>
+        <p:nvSpPr>
+          <p:cNvPr id="10" name="TextBox 9"/>
+          <p:cNvSpPr txBox="1"/>
+          <p:nvPr/>
+        </p:nvSpPr>
+        <p:spPr>
+          <a:xfrm>
+            <a:off x="3423392" y="6019614"/>
+            <a:ext cx="4482124" cy="512935"/>
+          </a:xfrm>
+          <a:prstGeom prst="rect">
+            <a:avLst/>
+          </a:prstGeom>
+          <a:noFill/>
+        </p:spPr>
+        <p:txBody>
+          <a:bodyPr wrap="square" rtlCol="0">
+            <a:spAutoFit/>
+          </a:bodyPr>
+          <a:lstStyle/>
+          <a:p>
+            <a:pPr algn="ctr"/>
+            <a:r>
+              <a:rPr lang="en-US" sz="2745" dirty="0"/>
+              <a:t>http://www.UserGroup.tv</a:t>
+            </a:r>
+            <a:endParaRPr lang="en-US" sz="2745" dirty="0"/>
+          </a:p>
+        </p:txBody>
+      </p:sp>
+      <p:sp>
+        <p:nvSpPr>
+          <p:cNvPr id="11" name="TextBox 10"/>
+          <p:cNvSpPr txBox="1"/>
+          <p:nvPr/>
+        </p:nvSpPr>
+        <p:spPr>
+          <a:xfrm>
+            <a:off x="8862762" y="4190986"/>
+            <a:ext cx="2033359" cy="814661"/>
+          </a:xfrm>
+          <a:prstGeom prst="rect">
+            <a:avLst/>
+          </a:prstGeom>
+          <a:noFill/>
+        </p:spPr>
+        <p:txBody>
+          <a:bodyPr wrap="square" rtlCol="0">
+            <a:spAutoFit/>
+          </a:bodyPr>
+          <a:lstStyle/>
+          <a:p>
+            <a:pPr algn="ctr"/>
+            <a:r>
+              <a:rPr lang="en-US" sz="1568" dirty="0"/>
+              <a:t>Presentations from the thought leaders on the topic.</a:t>
+            </a:r>
+            <a:endParaRPr lang="en-US" sz="1568" dirty="0"/>
+          </a:p>
+        </p:txBody>
+      </p:sp>
+      <p:pic>
+        <p:nvPicPr>
+          <p:cNvPr id="15" name="Picture 14" descr="http://www.usergroup.tv/wp-content/uploads/2012/05/Ugtv.png"/>
+          <p:cNvPicPr>
+            <a:picLocks noChangeAspect="1" noChangeArrowheads="1"/>
+          </p:cNvPicPr>
+          <p:nvPr/>
+        </p:nvPicPr>
+        <p:blipFill>
+          <a:blip r:embed="rId3">
+            <a:extLst>
+              <a:ext uri="{28A0092B-C50C-407E-A947-70E740481C1C}">
+                <a14:useLocalDpi xmlns:a14="http://schemas.microsoft.com/office/drawing/2010/main" val="0"/>
+              </a:ext>
+            </a:extLst>
+          </a:blip>
+          <a:srcRect/>
+          <a:stretch>
+            <a:fillRect/>
+          </a:stretch>
+        </p:blipFill>
+        <p:spPr bwMode="auto">
+          <a:xfrm>
+            <a:off x="8340710" y="5637840"/>
+            <a:ext cx="3584371" cy="1118324"/>
+          </a:xfrm>
+          <a:prstGeom prst="rect">
+            <a:avLst/>
+          </a:prstGeom>
+          <a:noFill/>
+          <a:extLst>
+            <a:ext uri="{909E8E84-426E-40DD-AFC4-6F175D3DCCD1}">
+              <a14:hiddenFill xmlns:a14="http://schemas.microsoft.com/office/drawing/2010/main">
+                <a:solidFill>
+                  <a:srgbClr val="FFFFFF"/>
+                </a:solidFill>
+              </a14:hiddenFill>
+            </a:ext>
+          </a:extLst>
+        </p:spPr>
+      </p:pic>
+    </p:spTree>
+    <p:extLst>
+      <p:ext uri="{BB962C8B-B14F-4D97-AF65-F5344CB8AC3E}">
+        <p14:creationId xmlns:p14="http://schemas.microsoft.com/office/powerpoint/2010/main" val="3215929677"/>
+      </p:ext>
+    </p:extLst>
+  </p:cSld>
+  <p:clrMapOvr>
+    <a:masterClrMapping/>
+  </p:clrMapOvr>
+  <mc:AlternateContent xmlns:mc="http://schemas.openxmlformats.org/markup-compatibility/2006">
+    <mc:Choice xmlns:p14="http://schemas.microsoft.com/office/powerpoint/2010/main" Requires="p14">
+      <p:transition spd="slow" p14:dur="2000"/>
+    </mc:Choice>
+    <mc:Fallback>
+      <p:transition spd="slow"/>
+    </mc:Fallback>
+  </mc:AlternateContent>
+  <p:timing>
+    <p:tnLst>
+      <p:par>
+        <p:cTn id="1" dur="indefinite" restart="never" nodeType="tmRoot"/>
+      </p:par>
+    </p:tnLst>
+  </p:timing>
+</p:sld>
+</file>
+
+<file path=ppt/slides/slide3.xml><?xml version="1.0" encoding="utf-8"?>
+<p:sld xmlns:a="http://schemas.openxmlformats.org/drawingml/2006/main" xmlns:r="http://schemas.openxmlformats.org/officeDocument/2006/relationships" xmlns:p="http://schemas.openxmlformats.org/presentationml/2006/main">
+  <p:cSld>
+    <p:bg>
+      <p:bgPr>
+        <a:blipFill dpi="0" rotWithShape="1">
+          <a:blip r:embed="rId3">
+            <a:lum/>
+          </a:blip>
+          <a:srcRect/>
+          <a:stretch>
+            <a:fillRect/>
+          </a:stretch>
+        </a:blipFill>
+        <a:effectLst/>
+      </p:bgPr>
+    </p:bg>
+    <p:spTree>
+      <p:nvGrpSpPr>
+        <p:cNvPr id="1" name=""/>
+        <p:cNvGrpSpPr/>
+        <p:nvPr/>
+      </p:nvGrpSpPr>
+      <p:grpSpPr>
+        <a:xfrm>
+          <a:off x="0" y="0"/>
+          <a:ext cx="0" cy="0"/>
+          <a:chOff x="0" y="0"/>
+          <a:chExt cx="0" cy="0"/>
+        </a:xfrm>
+      </p:grpSpPr>
+      <p:sp>
+        <p:nvSpPr>
+          <p:cNvPr id="2" name="Title 1"/>
+          <p:cNvSpPr>
+            <a:spLocks noGrp="1"/>
+          </p:cNvSpPr>
+          <p:nvPr>
+            <p:ph type="ctrTitle"/>
+          </p:nvPr>
+        </p:nvSpPr>
+        <p:spPr>
+          <a:xfrm>
+            <a:off x="0" y="-537762"/>
+            <a:ext cx="9144000" cy="2387600"/>
+          </a:xfrm>
+        </p:spPr>
+        <p:txBody>
+          <a:bodyPr/>
+          <a:lstStyle/>
+          <a:p>
+            <a:pPr algn="l"/>
+            <a:r>
+              <a:rPr lang="en-US" dirty="0" smtClean="0"/>
+              <a:t>Why </a:t>
+            </a:r>
+            <a:r>
+              <a:rPr lang="en-US" dirty="0" smtClean="0"/>
+              <a:t/>
+            </a:r>
+            <a:br>
+              <a:rPr lang="en-US" dirty="0" smtClean="0"/>
+            </a:br>
+            <a:r>
+              <a:rPr lang="en-US" dirty="0" smtClean="0"/>
+              <a:t>Community</a:t>
+            </a:r>
+            <a:r>
+              <a:rPr lang="en-US" dirty="0" smtClean="0"/>
+              <a:t>?</a:t>
+            </a:r>
+            <a:endParaRPr lang="en-US" dirty="0"/>
+          </a:p>
+        </p:txBody>
+      </p:sp>
+      <p:sp>
+        <p:nvSpPr>
+          <p:cNvPr id="3" name="Subtitle 2"/>
+          <p:cNvSpPr>
+            <a:spLocks noGrp="1"/>
+          </p:cNvSpPr>
+          <p:nvPr>
+            <p:ph type="subTitle" idx="1"/>
+          </p:nvPr>
+        </p:nvSpPr>
+        <p:spPr>
+          <a:xfrm>
+            <a:off x="0" y="5572882"/>
+            <a:ext cx="9144000" cy="1655762"/>
+          </a:xfrm>
+        </p:spPr>
+        <p:txBody>
+          <a:bodyPr>
+            <a:normAutofit/>
+          </a:bodyPr>
+          <a:lstStyle/>
+          <a:p>
+            <a:pPr algn="l"/>
+            <a:r>
+              <a:rPr lang="en-US" dirty="0" smtClean="0"/>
+              <a:t>Shawn </a:t>
+            </a:r>
+            <a:r>
+              <a:rPr lang="en-US" dirty="0" smtClean="0"/>
+              <a:t>Weisfeld</a:t>
+            </a:r>
+          </a:p>
+          <a:p>
+            <a:pPr algn="l"/>
             <a:r>
               <a:rPr lang="en-US" dirty="0"/>
-              <a:t>Invest in you</a:t>
-            </a:r>
+              <a:t>@</a:t>
+            </a:r>
+            <a:r>
+              <a:rPr lang="en-US" dirty="0" err="1"/>
+              <a:t>shawnweisfeld</a:t>
+            </a:r>
+            <a:endParaRPr lang="en-US" dirty="0"/>
+          </a:p>
+          <a:p>
+            <a:pPr algn="l"/>
+            <a:r>
+              <a:rPr lang="en-US" dirty="0" smtClean="0"/>
+              <a:t>shawn@shawnweisfeld.com</a:t>
+            </a:r>
+            <a:endParaRPr lang="en-US" dirty="0" smtClean="0"/>
+          </a:p>
+        </p:txBody>
+      </p:sp>
+    </p:spTree>
+    <p:extLst>
+      <p:ext uri="{BB962C8B-B14F-4D97-AF65-F5344CB8AC3E}">
+        <p14:creationId xmlns:p14="http://schemas.microsoft.com/office/powerpoint/2010/main" val="64541341"/>
+      </p:ext>
+    </p:extLst>
+  </p:cSld>
+  <p:clrMapOvr>
+    <a:masterClrMapping/>
+  </p:clrMapOvr>
+  <p:timing>
+    <p:tnLst>
+      <p:par>
+        <p:cTn id="1" dur="indefinite" restart="never" nodeType="tmRoot"/>
+      </p:par>
+    </p:tnLst>
+  </p:timing>
+</p:sld>
+</file>
+
+<file path=ppt/slides/slide4.xml><?xml version="1.0" encoding="utf-8"?>
+<p:sld xmlns:a="http://schemas.openxmlformats.org/drawingml/2006/main" xmlns:r="http://schemas.openxmlformats.org/officeDocument/2006/relationships" xmlns:p="http://schemas.openxmlformats.org/presentationml/2006/main">
+  <p:cSld>
+    <p:bg>
+      <p:bgPr>
+        <a:blipFill dpi="0" rotWithShape="1">
+          <a:blip r:embed="rId3">
+            <a:lum/>
+          </a:blip>
+          <a:srcRect/>
+          <a:stretch>
+            <a:fillRect/>
+          </a:stretch>
+        </a:blipFill>
+        <a:effectLst/>
+      </p:bgPr>
+    </p:bg>
+    <p:spTree>
+      <p:nvGrpSpPr>
+        <p:cNvPr id="1" name=""/>
+        <p:cNvGrpSpPr/>
+        <p:nvPr/>
+      </p:nvGrpSpPr>
+      <p:grpSpPr>
+        <a:xfrm>
+          <a:off x="0" y="0"/>
+          <a:ext cx="0" cy="0"/>
+          <a:chOff x="0" y="0"/>
+          <a:chExt cx="0" cy="0"/>
+        </a:xfrm>
+      </p:grpSpPr>
+      <p:sp>
+        <p:nvSpPr>
+          <p:cNvPr id="2" name="Title 1"/>
+          <p:cNvSpPr>
+            <a:spLocks noGrp="1"/>
+          </p:cNvSpPr>
+          <p:nvPr>
+            <p:ph type="title"/>
+          </p:nvPr>
+        </p:nvSpPr>
+        <p:spPr/>
+        <p:txBody>
+          <a:bodyPr/>
+          <a:lstStyle/>
+          <a:p>
+            <a:endParaRPr lang="en-US" dirty="0"/>
+          </a:p>
+        </p:txBody>
+      </p:sp>
+      <p:sp>
+        <p:nvSpPr>
+          <p:cNvPr id="3" name="Content Placeholder 2"/>
+          <p:cNvSpPr>
+            <a:spLocks noGrp="1"/>
+          </p:cNvSpPr>
+          <p:nvPr>
+            <p:ph idx="1"/>
+          </p:nvPr>
+        </p:nvSpPr>
+        <p:spPr/>
+        <p:txBody>
+          <a:bodyPr/>
+          <a:lstStyle/>
+          <a:p>
+            <a:endParaRPr lang="en-US"/>
+          </a:p>
+        </p:txBody>
+      </p:sp>
+    </p:spTree>
+    <p:extLst>
+      <p:ext uri="{BB962C8B-B14F-4D97-AF65-F5344CB8AC3E}">
+        <p14:creationId xmlns:p14="http://schemas.microsoft.com/office/powerpoint/2010/main" val="785245168"/>
+      </p:ext>
+    </p:extLst>
+  </p:cSld>
+  <p:clrMapOvr>
+    <a:masterClrMapping/>
+  </p:clrMapOvr>
+  <p:timing>
+    <p:tnLst>
+      <p:par>
+        <p:cTn id="1" dur="indefinite" restart="never" nodeType="tmRoot"/>
+      </p:par>
+    </p:tnLst>
+  </p:timing>
+</p:sld>
+</file>
+
+<file path=ppt/slides/slide5.xml><?xml version="1.0" encoding="utf-8"?>
+<p:sld xmlns:a="http://schemas.openxmlformats.org/drawingml/2006/main" xmlns:r="http://schemas.openxmlformats.org/officeDocument/2006/relationships" xmlns:p="http://schemas.openxmlformats.org/presentationml/2006/main">
+  <p:cSld>
+    <p:bg>
+      <p:bgPr>
+        <a:blipFill dpi="0" rotWithShape="1">
+          <a:blip r:embed="rId3">
+            <a:lum/>
+          </a:blip>
+          <a:srcRect/>
+          <a:stretch>
+            <a:fillRect t="-17000" b="-17000"/>
+          </a:stretch>
+        </a:blipFill>
+        <a:effectLst/>
+      </p:bgPr>
+    </p:bg>
+    <p:spTree>
+      <p:nvGrpSpPr>
+        <p:cNvPr id="1" name=""/>
+        <p:cNvGrpSpPr/>
+        <p:nvPr/>
+      </p:nvGrpSpPr>
+      <p:grpSpPr>
+        <a:xfrm>
+          <a:off x="0" y="0"/>
+          <a:ext cx="0" cy="0"/>
+          <a:chOff x="0" y="0"/>
+          <a:chExt cx="0" cy="0"/>
+        </a:xfrm>
+      </p:grpSpPr>
+      <p:sp>
+        <p:nvSpPr>
+          <p:cNvPr id="2" name="Title 1"/>
+          <p:cNvSpPr>
+            <a:spLocks noGrp="1"/>
+          </p:cNvSpPr>
+          <p:nvPr>
+            <p:ph type="title"/>
+          </p:nvPr>
+        </p:nvSpPr>
+        <p:spPr/>
+        <p:txBody>
+          <a:bodyPr/>
+          <a:lstStyle/>
+          <a:p>
+            <a:endParaRPr lang="en-US" dirty="0"/>
           </a:p>
         </p:txBody>
       </p:sp>
@@ -3227,16 +5836,23 @@
   <p:clrMapOvr>
     <a:masterClrMapping/>
   </p:clrMapOvr>
+  <p:timing>
+    <p:tnLst>
+      <p:par>
+        <p:cTn id="1" dur="indefinite" restart="never" nodeType="tmRoot"/>
+      </p:par>
+    </p:tnLst>
+  </p:timing>
 </p:sld>
 </file>
 
-<file path=ppt/slides/slide4.xml><?xml version="1.0" encoding="utf-8"?>
+<file path=ppt/slides/slide6.xml><?xml version="1.0" encoding="utf-8"?>
 <p:sld xmlns:a="http://schemas.openxmlformats.org/drawingml/2006/main" xmlns:r="http://schemas.openxmlformats.org/officeDocument/2006/relationships" xmlns:p="http://schemas.openxmlformats.org/presentationml/2006/main">
   <p:cSld>
     <p:bg>
       <p:bgPr>
         <a:blipFill dpi="0" rotWithShape="1">
-          <a:blip r:embed="rId2">
+          <a:blip r:embed="rId3">
             <a:lum/>
           </a:blip>
           <a:srcRect/>
@@ -3276,10 +5892,7 @@
           <a:bodyPr/>
           <a:lstStyle/>
           <a:p>
-            <a:r>
-              <a:rPr lang="en-US" dirty="0"/>
-              <a:t>Exposure to new topics</a:t>
-            </a:r>
+            <a:endParaRPr lang="en-US" dirty="0"/>
           </a:p>
         </p:txBody>
       </p:sp>
@@ -3312,16 +5925,23 @@
   <p:clrMapOvr>
     <a:masterClrMapping/>
   </p:clrMapOvr>
+  <p:timing>
+    <p:tnLst>
+      <p:par>
+        <p:cTn id="1" dur="indefinite" restart="never" nodeType="tmRoot"/>
+      </p:par>
+    </p:tnLst>
+  </p:timing>
 </p:sld>
 </file>
 
-<file path=ppt/slides/slide5.xml><?xml version="1.0" encoding="utf-8"?>
+<file path=ppt/slides/slide7.xml><?xml version="1.0" encoding="utf-8"?>
 <p:sld xmlns:a="http://schemas.openxmlformats.org/drawingml/2006/main" xmlns:r="http://schemas.openxmlformats.org/officeDocument/2006/relationships" xmlns:p="http://schemas.openxmlformats.org/presentationml/2006/main">
   <p:cSld>
     <p:bg>
       <p:bgPr>
         <a:blipFill dpi="0" rotWithShape="1">
-          <a:blip r:embed="rId2">
+          <a:blip r:embed="rId3">
             <a:lum/>
           </a:blip>
           <a:srcRect/>
@@ -3361,10 +5981,7 @@
           <a:bodyPr/>
           <a:lstStyle/>
           <a:p>
-            <a:r>
-              <a:rPr lang="en-US" dirty="0"/>
-              <a:t>Meet new people</a:t>
-            </a:r>
+            <a:endParaRPr lang="en-US" dirty="0"/>
           </a:p>
         </p:txBody>
       </p:sp>
@@ -3397,16 +6014,112 @@
   <p:clrMapOvr>
     <a:masterClrMapping/>
   </p:clrMapOvr>
+  <p:timing>
+    <p:tnLst>
+      <p:par>
+        <p:cTn id="1" dur="indefinite" restart="never" nodeType="tmRoot"/>
+      </p:par>
+    </p:tnLst>
+  </p:timing>
 </p:sld>
 </file>
 
-<file path=ppt/slides/slide6.xml><?xml version="1.0" encoding="utf-8"?>
+<file path=ppt/slides/slide8.xml><?xml version="1.0" encoding="utf-8"?>
 <p:sld xmlns:a="http://schemas.openxmlformats.org/drawingml/2006/main" xmlns:r="http://schemas.openxmlformats.org/officeDocument/2006/relationships" xmlns:p="http://schemas.openxmlformats.org/presentationml/2006/main">
   <p:cSld>
     <p:bg>
       <p:bgPr>
         <a:blipFill dpi="0" rotWithShape="1">
-          <a:blip r:embed="rId2">
+          <a:blip r:embed="rId3">
+            <a:lum/>
+          </a:blip>
+          <a:srcRect/>
+          <a:stretch>
+            <a:fillRect t="-10000" b="-10000"/>
+          </a:stretch>
+        </a:blipFill>
+        <a:effectLst/>
+      </p:bgPr>
+    </p:bg>
+    <p:spTree>
+      <p:nvGrpSpPr>
+        <p:cNvPr id="1" name=""/>
+        <p:cNvGrpSpPr/>
+        <p:nvPr/>
+      </p:nvGrpSpPr>
+      <p:grpSpPr>
+        <a:xfrm>
+          <a:off x="0" y="0"/>
+          <a:ext cx="0" cy="0"/>
+          <a:chOff x="0" y="0"/>
+          <a:chExt cx="0" cy="0"/>
+        </a:xfrm>
+      </p:grpSpPr>
+      <p:sp>
+        <p:nvSpPr>
+          <p:cNvPr id="2" name="Title 1"/>
+          <p:cNvSpPr>
+            <a:spLocks noGrp="1"/>
+          </p:cNvSpPr>
+          <p:nvPr>
+            <p:ph type="title"/>
+          </p:nvPr>
+        </p:nvSpPr>
+        <p:spPr/>
+        <p:txBody>
+          <a:bodyPr/>
+          <a:lstStyle/>
+          <a:p>
+            <a:endParaRPr lang="en-US"/>
+          </a:p>
+        </p:txBody>
+      </p:sp>
+      <p:sp>
+        <p:nvSpPr>
+          <p:cNvPr id="3" name="Content Placeholder 2"/>
+          <p:cNvSpPr>
+            <a:spLocks noGrp="1"/>
+          </p:cNvSpPr>
+          <p:nvPr>
+            <p:ph idx="1"/>
+          </p:nvPr>
+        </p:nvSpPr>
+        <p:spPr/>
+        <p:txBody>
+          <a:bodyPr/>
+          <a:lstStyle/>
+          <a:p>
+            <a:endParaRPr lang="en-US"/>
+          </a:p>
+        </p:txBody>
+      </p:sp>
+    </p:spTree>
+    <p:extLst>
+      <p:ext uri="{BB962C8B-B14F-4D97-AF65-F5344CB8AC3E}">
+        <p14:creationId xmlns:p14="http://schemas.microsoft.com/office/powerpoint/2010/main" val="1038887716"/>
+      </p:ext>
+    </p:extLst>
+  </p:cSld>
+  <p:clrMapOvr>
+    <a:masterClrMapping/>
+  </p:clrMapOvr>
+  <p:timing>
+    <p:tnLst>
+      <p:par>
+        <p:cTn id="1" dur="indefinite" restart="never" nodeType="tmRoot"/>
+      </p:par>
+    </p:tnLst>
+  </p:timing>
+</p:sld>
+</file>
+
+<file path=ppt/slides/slide9.xml><?xml version="1.0" encoding="utf-8"?>
+<p:sld xmlns:a="http://schemas.openxmlformats.org/drawingml/2006/main" xmlns:r="http://schemas.openxmlformats.org/officeDocument/2006/relationships" xmlns:p="http://schemas.openxmlformats.org/presentationml/2006/main">
+  <p:cSld>
+    <p:bg>
+      <p:bgPr>
+        <a:blipFill dpi="0" rotWithShape="1">
+          <a:blip r:embed="rId3">
             <a:lum/>
           </a:blip>
           <a:srcRect/>
@@ -3446,14 +6159,6 @@
           <a:bodyPr/>
           <a:lstStyle/>
           <a:p>
-            <a:r>
-              <a:rPr lang="en-US" dirty="0"/>
-              <a:t>Get a new </a:t>
-            </a:r>
-            <a:r>
-              <a:rPr lang="en-US" dirty="0" smtClean="0"/>
-              <a:t>job</a:t>
-            </a:r>
             <a:endParaRPr lang="en-US" dirty="0"/>
           </a:p>
         </p:txBody>
@@ -3487,176 +6192,13 @@
   <p:clrMapOvr>
     <a:masterClrMapping/>
   </p:clrMapOvr>
-</p:sld>
-</file>
-
-<file path=ppt/slides/slide7.xml><?xml version="1.0" encoding="utf-8"?>
-<p:sld xmlns:a="http://schemas.openxmlformats.org/drawingml/2006/main" xmlns:r="http://schemas.openxmlformats.org/officeDocument/2006/relationships" xmlns:p="http://schemas.openxmlformats.org/presentationml/2006/main">
-  <p:cSld>
-    <p:bg>
-      <p:bgPr>
-        <a:blipFill dpi="0" rotWithShape="1">
-          <a:blip r:embed="rId2">
-            <a:lum/>
-          </a:blip>
-          <a:srcRect/>
-          <a:stretch>
-            <a:fillRect t="-8000" b="-8000"/>
-          </a:stretch>
-        </a:blipFill>
-        <a:effectLst/>
-      </p:bgPr>
-    </p:bg>
-    <p:spTree>
-      <p:nvGrpSpPr>
-        <p:cNvPr id="1" name=""/>
-        <p:cNvGrpSpPr/>
-        <p:nvPr/>
-      </p:nvGrpSpPr>
-      <p:grpSpPr>
-        <a:xfrm>
-          <a:off x="0" y="0"/>
-          <a:ext cx="0" cy="0"/>
-          <a:chOff x="0" y="0"/>
-          <a:chExt cx="0" cy="0"/>
-        </a:xfrm>
-      </p:grpSpPr>
-      <p:sp>
-        <p:nvSpPr>
-          <p:cNvPr id="2" name="Title 1"/>
-          <p:cNvSpPr>
-            <a:spLocks noGrp="1"/>
-          </p:cNvSpPr>
-          <p:nvPr>
-            <p:ph type="title"/>
-          </p:nvPr>
-        </p:nvSpPr>
-        <p:spPr/>
-        <p:txBody>
-          <a:bodyPr/>
-          <a:lstStyle/>
-          <a:p>
-            <a:r>
-              <a:rPr lang="en-US" dirty="0"/>
-              <a:t>Fun</a:t>
-            </a:r>
-          </a:p>
-        </p:txBody>
-      </p:sp>
-      <p:sp>
-        <p:nvSpPr>
-          <p:cNvPr id="3" name="Content Placeholder 2"/>
-          <p:cNvSpPr>
-            <a:spLocks noGrp="1"/>
-          </p:cNvSpPr>
-          <p:nvPr>
-            <p:ph idx="1"/>
-          </p:nvPr>
-        </p:nvSpPr>
-        <p:spPr/>
-        <p:txBody>
-          <a:bodyPr/>
-          <a:lstStyle/>
-          <a:p>
-            <a:endParaRPr lang="en-US"/>
-          </a:p>
-        </p:txBody>
-      </p:sp>
-    </p:spTree>
-    <p:extLst>
-      <p:ext uri="{BB962C8B-B14F-4D97-AF65-F5344CB8AC3E}">
-        <p14:creationId xmlns:p14="http://schemas.microsoft.com/office/powerpoint/2010/main" val="2069373597"/>
-      </p:ext>
-    </p:extLst>
-  </p:cSld>
-  <p:clrMapOvr>
-    <a:masterClrMapping/>
-  </p:clrMapOvr>
-</p:sld>
-</file>
-
-<file path=ppt/slides/slide8.xml><?xml version="1.0" encoding="utf-8"?>
-<p:sld xmlns:a="http://schemas.openxmlformats.org/drawingml/2006/main" xmlns:r="http://schemas.openxmlformats.org/officeDocument/2006/relationships" xmlns:p="http://schemas.openxmlformats.org/presentationml/2006/main">
-  <p:cSld>
-    <p:bg>
-      <p:bgPr>
-        <a:blipFill dpi="0" rotWithShape="1">
-          <a:blip r:embed="rId2">
-            <a:lum/>
-          </a:blip>
-          <a:srcRect/>
-          <a:stretch>
-            <a:fillRect t="-17000" b="-17000"/>
-          </a:stretch>
-        </a:blipFill>
-        <a:effectLst/>
-      </p:bgPr>
-    </p:bg>
-    <p:spTree>
-      <p:nvGrpSpPr>
-        <p:cNvPr id="1" name=""/>
-        <p:cNvGrpSpPr/>
-        <p:nvPr/>
-      </p:nvGrpSpPr>
-      <p:grpSpPr>
-        <a:xfrm>
-          <a:off x="0" y="0"/>
-          <a:ext cx="0" cy="0"/>
-          <a:chOff x="0" y="0"/>
-          <a:chExt cx="0" cy="0"/>
-        </a:xfrm>
-      </p:grpSpPr>
-      <p:sp>
-        <p:nvSpPr>
-          <p:cNvPr id="2" name="Title 1"/>
-          <p:cNvSpPr>
-            <a:spLocks noGrp="1"/>
-          </p:cNvSpPr>
-          <p:nvPr>
-            <p:ph type="title"/>
-          </p:nvPr>
-        </p:nvSpPr>
-        <p:spPr/>
-        <p:txBody>
-          <a:bodyPr/>
-          <a:lstStyle/>
-          <a:p>
-            <a:r>
-              <a:rPr lang="en-US" dirty="0"/>
-              <a:t>Pizza</a:t>
-            </a:r>
-          </a:p>
-        </p:txBody>
-      </p:sp>
-      <p:sp>
-        <p:nvSpPr>
-          <p:cNvPr id="3" name="Content Placeholder 2"/>
-          <p:cNvSpPr>
-            <a:spLocks noGrp="1"/>
-          </p:cNvSpPr>
-          <p:nvPr>
-            <p:ph idx="1"/>
-          </p:nvPr>
-        </p:nvSpPr>
-        <p:spPr/>
-        <p:txBody>
-          <a:bodyPr/>
-          <a:lstStyle/>
-          <a:p>
-            <a:endParaRPr lang="en-US"/>
-          </a:p>
-        </p:txBody>
-      </p:sp>
-    </p:spTree>
-    <p:extLst>
-      <p:ext uri="{BB962C8B-B14F-4D97-AF65-F5344CB8AC3E}">
-        <p14:creationId xmlns:p14="http://schemas.microsoft.com/office/powerpoint/2010/main" val="1322918257"/>
-      </p:ext>
-    </p:extLst>
-  </p:cSld>
-  <p:clrMapOvr>
-    <a:masterClrMapping/>
-  </p:clrMapOvr>
+  <p:timing>
+    <p:tnLst>
+      <p:par>
+        <p:cTn id="1" dur="indefinite" restart="never" nodeType="tmRoot"/>
+      </p:par>
+    </p:tnLst>
+  </p:timing>
 </p:sld>
 </file>
 
@@ -3919,4 +6461,265 @@
     </a:ext>
   </a:extLst>
 </a:theme>
+</file>
+
+<file path=ppt/theme/theme2.xml><?xml version="1.0" encoding="utf-8"?>
+<a:theme xmlns:a="http://schemas.openxmlformats.org/drawingml/2006/main" name="Office Theme">
+  <a:themeElements>
+    <a:clrScheme name="Office">
+      <a:dk1>
+        <a:sysClr val="windowText" lastClr="000000"/>
+      </a:dk1>
+      <a:lt1>
+        <a:sysClr val="window" lastClr="FFFFFF"/>
+      </a:lt1>
+      <a:dk2>
+        <a:srgbClr val="44546A"/>
+      </a:dk2>
+      <a:lt2>
+        <a:srgbClr val="E7E6E6"/>
+      </a:lt2>
+      <a:accent1>
+        <a:srgbClr val="5B9BD5"/>
+      </a:accent1>
+      <a:accent2>
+        <a:srgbClr val="ED7D31"/>
+      </a:accent2>
+      <a:accent3>
+        <a:srgbClr val="A5A5A5"/>
+      </a:accent3>
+      <a:accent4>
+        <a:srgbClr val="FFC000"/>
+      </a:accent4>
+      <a:accent5>
+        <a:srgbClr val="4472C4"/>
+      </a:accent5>
+      <a:accent6>
+        <a:srgbClr val="70AD47"/>
+      </a:accent6>
+      <a:hlink>
+        <a:srgbClr val="0563C1"/>
+      </a:hlink>
+      <a:folHlink>
+        <a:srgbClr val="954F72"/>
+      </a:folHlink>
+    </a:clrScheme>
+    <a:fontScheme name="Office">
+      <a:majorFont>
+        <a:latin typeface="Calibri Light" panose="020F0302020204030204"/>
+        <a:ea typeface=""/>
+        <a:cs typeface=""/>
+        <a:font script="Jpan" typeface="ＭＳ Ｐゴシック"/>
+        <a:font script="Hang" typeface="맑은 고딕"/>
+        <a:font script="Hans" typeface="宋体"/>
+        <a:font script="Hant" typeface="新細明體"/>
+        <a:font script="Arab" typeface="Times New Roman"/>
+        <a:font script="Hebr" typeface="Times New Roman"/>
+        <a:font script="Thai" typeface="Angsana New"/>
+        <a:font script="Ethi" typeface="Nyala"/>
+        <a:font script="Beng" typeface="Vrinda"/>
+        <a:font script="Gujr" typeface="Shruti"/>
+        <a:font script="Khmr" typeface="MoolBoran"/>
+        <a:font script="Knda" typeface="Tunga"/>
+        <a:font script="Guru" typeface="Raavi"/>
+        <a:font script="Cans" typeface="Euphemia"/>
+        <a:font script="Cher" typeface="Plantagenet Cherokee"/>
+        <a:font script="Yiii" typeface="Microsoft Yi Baiti"/>
+        <a:font script="Tibt" typeface="Microsoft Himalaya"/>
+        <a:font script="Thaa" typeface="MV Boli"/>
+        <a:font script="Deva" typeface="Mangal"/>
+        <a:font script="Telu" typeface="Gautami"/>
+        <a:font script="Taml" typeface="Latha"/>
+        <a:font script="Syrc" typeface="Estrangelo Edessa"/>
+        <a:font script="Orya" typeface="Kalinga"/>
+        <a:font script="Mlym" typeface="Kartika"/>
+        <a:font script="Laoo" typeface="DokChampa"/>
+        <a:font script="Sinh" typeface="Iskoola Pota"/>
+        <a:font script="Mong" typeface="Mongolian Baiti"/>
+        <a:font script="Viet" typeface="Times New Roman"/>
+        <a:font script="Uigh" typeface="Microsoft Uighur"/>
+        <a:font script="Geor" typeface="Sylfaen"/>
+      </a:majorFont>
+      <a:minorFont>
+        <a:latin typeface="Calibri" panose="020F0502020204030204"/>
+        <a:ea typeface=""/>
+        <a:cs typeface=""/>
+        <a:font script="Jpan" typeface="ＭＳ Ｐゴシック"/>
+        <a:font script="Hang" typeface="맑은 고딕"/>
+        <a:font script="Hans" typeface="宋体"/>
+        <a:font script="Hant" typeface="新細明體"/>
+        <a:font script="Arab" typeface="Arial"/>
+        <a:font script="Hebr" typeface="Arial"/>
+        <a:font script="Thai" typeface="Cordia New"/>
+        <a:font script="Ethi" typeface="Nyala"/>
+        <a:font script="Beng" typeface="Vrinda"/>
+        <a:font script="Gujr" typeface="Shruti"/>
+        <a:font script="Khmr" typeface="DaunPenh"/>
+        <a:font script="Knda" typeface="Tunga"/>
+        <a:font script="Guru" typeface="Raavi"/>
+        <a:font script="Cans" typeface="Euphemia"/>
+        <a:font script="Cher" typeface="Plantagenet Cherokee"/>
+        <a:font script="Yiii" typeface="Microsoft Yi Baiti"/>
+        <a:font script="Tibt" typeface="Microsoft Himalaya"/>
+        <a:font script="Thaa" typeface="MV Boli"/>
+        <a:font script="Deva" typeface="Mangal"/>
+        <a:font script="Telu" typeface="Gautami"/>
+        <a:font script="Taml" typeface="Latha"/>
+        <a:font script="Syrc" typeface="Estrangelo Edessa"/>
+        <a:font script="Orya" typeface="Kalinga"/>
+        <a:font script="Mlym" typeface="Kartika"/>
+        <a:font script="Laoo" typeface="DokChampa"/>
+        <a:font script="Sinh" typeface="Iskoola Pota"/>
+        <a:font script="Mong" typeface="Mongolian Baiti"/>
+        <a:font script="Viet" typeface="Arial"/>
+        <a:font script="Uigh" typeface="Microsoft Uighur"/>
+        <a:font script="Geor" typeface="Sylfaen"/>
+      </a:minorFont>
+    </a:fontScheme>
+    <a:fmtScheme name="Office">
+      <a:fillStyleLst>
+        <a:solidFill>
+          <a:schemeClr val="phClr"/>
+        </a:solidFill>
+        <a:gradFill rotWithShape="1">
+          <a:gsLst>
+            <a:gs pos="0">
+              <a:schemeClr val="phClr">
+                <a:lumMod val="110000"/>
+                <a:satMod val="105000"/>
+                <a:tint val="67000"/>
+              </a:schemeClr>
+            </a:gs>
+            <a:gs pos="50000">
+              <a:schemeClr val="phClr">
+                <a:lumMod val="105000"/>
+                <a:satMod val="103000"/>
+                <a:tint val="73000"/>
+              </a:schemeClr>
+            </a:gs>
+            <a:gs pos="100000">
+              <a:schemeClr val="phClr">
+                <a:lumMod val="105000"/>
+                <a:satMod val="109000"/>
+                <a:tint val="81000"/>
+              </a:schemeClr>
+            </a:gs>
+          </a:gsLst>
+          <a:lin ang="5400000" scaled="0"/>
+        </a:gradFill>
+        <a:gradFill rotWithShape="1">
+          <a:gsLst>
+            <a:gs pos="0">
+              <a:schemeClr val="phClr">
+                <a:satMod val="103000"/>
+                <a:lumMod val="102000"/>
+                <a:tint val="94000"/>
+              </a:schemeClr>
+            </a:gs>
+            <a:gs pos="50000">
+              <a:schemeClr val="phClr">
+                <a:satMod val="110000"/>
+                <a:lumMod val="100000"/>
+                <a:shade val="100000"/>
+              </a:schemeClr>
+            </a:gs>
+            <a:gs pos="100000">
+              <a:schemeClr val="phClr">
+                <a:lumMod val="99000"/>
+                <a:satMod val="120000"/>
+                <a:shade val="78000"/>
+              </a:schemeClr>
+            </a:gs>
+          </a:gsLst>
+          <a:lin ang="5400000" scaled="0"/>
+        </a:gradFill>
+      </a:fillStyleLst>
+      <a:lnStyleLst>
+        <a:ln w="6350" cap="flat" cmpd="sng" algn="ctr">
+          <a:solidFill>
+            <a:schemeClr val="phClr"/>
+          </a:solidFill>
+          <a:prstDash val="solid"/>
+          <a:miter lim="800000"/>
+        </a:ln>
+        <a:ln w="12700" cap="flat" cmpd="sng" algn="ctr">
+          <a:solidFill>
+            <a:schemeClr val="phClr"/>
+          </a:solidFill>
+          <a:prstDash val="solid"/>
+          <a:miter lim="800000"/>
+        </a:ln>
+        <a:ln w="19050" cap="flat" cmpd="sng" algn="ctr">
+          <a:solidFill>
+            <a:schemeClr val="phClr"/>
+          </a:solidFill>
+          <a:prstDash val="solid"/>
+          <a:miter lim="800000"/>
+        </a:ln>
+      </a:lnStyleLst>
+      <a:effectStyleLst>
+        <a:effectStyle>
+          <a:effectLst/>
+        </a:effectStyle>
+        <a:effectStyle>
+          <a:effectLst/>
+        </a:effectStyle>
+        <a:effectStyle>
+          <a:effectLst>
+            <a:outerShdw blurRad="57150" dist="19050" dir="5400000" algn="ctr" rotWithShape="0">
+              <a:srgbClr val="000000">
+                <a:alpha val="63000"/>
+              </a:srgbClr>
+            </a:outerShdw>
+          </a:effectLst>
+        </a:effectStyle>
+      </a:effectStyleLst>
+      <a:bgFillStyleLst>
+        <a:solidFill>
+          <a:schemeClr val="phClr"/>
+        </a:solidFill>
+        <a:solidFill>
+          <a:schemeClr val="phClr">
+            <a:tint val="95000"/>
+            <a:satMod val="170000"/>
+          </a:schemeClr>
+        </a:solidFill>
+        <a:gradFill rotWithShape="1">
+          <a:gsLst>
+            <a:gs pos="0">
+              <a:schemeClr val="phClr">
+                <a:tint val="93000"/>
+                <a:satMod val="150000"/>
+                <a:shade val="98000"/>
+                <a:lumMod val="102000"/>
+              </a:schemeClr>
+            </a:gs>
+            <a:gs pos="50000">
+              <a:schemeClr val="phClr">
+                <a:tint val="98000"/>
+                <a:satMod val="130000"/>
+                <a:shade val="90000"/>
+                <a:lumMod val="103000"/>
+              </a:schemeClr>
+            </a:gs>
+            <a:gs pos="100000">
+              <a:schemeClr val="phClr">
+                <a:shade val="63000"/>
+                <a:satMod val="120000"/>
+              </a:schemeClr>
+            </a:gs>
+          </a:gsLst>
+          <a:lin ang="5400000" scaled="0"/>
+        </a:gradFill>
+      </a:bgFillStyleLst>
+    </a:fmtScheme>
+  </a:themeElements>
+  <a:objectDefaults/>
+  <a:extraClrSchemeLst/>
+  <a:extLst>
+    <a:ext uri="{05A4C25C-085E-4340-85A3-A5531E510DB2}">
+      <thm15:themeFamily xmlns:thm15="http://schemas.microsoft.com/office/thememl/2012/main" name="Office Theme" id="{62F939B6-93AF-4DB8-9C6B-D6C7DFDC589F}" vid="{4A3C46E8-61CC-4603-A589-7422A47A8E4A}"/>
+    </a:ext>
+  </a:extLst>
+</a:theme>
 </file>